--- a/Tutkimuskysymysesittely.pptx
+++ b/Tutkimuskysymysesittely.pptx
@@ -5,32 +5,33 @@
     <p:sldMasterId id="2147483648" r:id="rId4"/>
   </p:sldMasterIdLst>
   <p:notesMasterIdLst>
-    <p:notesMasterId r:id="rId10"/>
+    <p:notesMasterId r:id="rId11"/>
   </p:notesMasterIdLst>
   <p:handoutMasterIdLst>
-    <p:handoutMasterId r:id="rId11"/>
+    <p:handoutMasterId r:id="rId12"/>
   </p:handoutMasterIdLst>
   <p:sldIdLst>
     <p:sldId id="256" r:id="rId5"/>
-    <p:sldId id="330" r:id="rId6"/>
-    <p:sldId id="329" r:id="rId7"/>
-    <p:sldId id="327" r:id="rId8"/>
-    <p:sldId id="328" r:id="rId9"/>
+    <p:sldId id="331" r:id="rId6"/>
+    <p:sldId id="327" r:id="rId7"/>
+    <p:sldId id="330" r:id="rId8"/>
+    <p:sldId id="329" r:id="rId9"/>
+    <p:sldId id="328" r:id="rId10"/>
   </p:sldIdLst>
   <p:sldSz cx="12192000" cy="6858000"/>
   <p:notesSz cx="6858000" cy="9144000"/>
   <p:embeddedFontLst>
     <p:embeddedFont>
       <p:font typeface="Cambria Math" panose="02040503050406030204" pitchFamily="18" charset="0"/>
-      <p:regular r:id="rId12"/>
+      <p:regular r:id="rId13"/>
     </p:embeddedFont>
     <p:embeddedFont>
       <p:font typeface="Tilda Sans Black" panose="020B0902020204020303" pitchFamily="34" charset="0"/>
-      <p:bold r:id="rId13"/>
+      <p:bold r:id="rId14"/>
     </p:embeddedFont>
     <p:embeddedFont>
       <p:font typeface="Tilda Sans Medium" panose="020B0502020204020303" pitchFamily="34" charset="0"/>
-      <p:regular r:id="rId14"/>
+      <p:regular r:id="rId15"/>
     </p:embeddedFont>
   </p:embeddedFontLst>
   <p:defaultTextStyle>
@@ -10246,7 +10247,7 @@
           <p:cNvPr id="2" name="Slide Number Placeholder 1">
             <a:extLst>
               <a:ext uri="{FF2B5EF4-FFF2-40B4-BE49-F238E27FC236}">
-                <a16:creationId xmlns:a16="http://schemas.microsoft.com/office/drawing/2014/main" id="{2BEDC11F-22A9-3AF1-144E-2E054CD0BE49}"/>
+                <a16:creationId xmlns:a16="http://schemas.microsoft.com/office/drawing/2014/main" id="{58AF8185-8431-962E-2C14-EDBC6D0260E6}"/>
               </a:ext>
             </a:extLst>
           </p:cNvPr>
@@ -10270,6 +10271,596 @@
               </a:rPr>
               <a:pPr/>
               <a:t>2</a:t>
+            </a:fld>
+            <a:endParaRPr lang="en-US" dirty="0">
+              <a:solidFill>
+                <a:prstClr val="black"/>
+              </a:solidFill>
+            </a:endParaRPr>
+          </a:p>
+        </p:txBody>
+      </p:sp>
+      <p:sp>
+        <p:nvSpPr>
+          <p:cNvPr id="3" name="Title 2">
+            <a:extLst>
+              <a:ext uri="{FF2B5EF4-FFF2-40B4-BE49-F238E27FC236}">
+                <a16:creationId xmlns:a16="http://schemas.microsoft.com/office/drawing/2014/main" id="{C5C6E7F8-A48D-98F8-4E34-20B3C5C7AC1F}"/>
+              </a:ext>
+            </a:extLst>
+          </p:cNvPr>
+          <p:cNvSpPr>
+            <a:spLocks noGrp="1"/>
+          </p:cNvSpPr>
+          <p:nvPr>
+            <p:ph type="ctrTitle"/>
+          </p:nvPr>
+        </p:nvSpPr>
+        <p:spPr/>
+        <p:txBody>
+          <a:bodyPr/>
+          <a:lstStyle/>
+          <a:p>
+            <a:r>
+              <a:rPr lang="fi-FI"/>
+              <a:t>Mistä noki ja tuhka tulee?</a:t>
+            </a:r>
+            <a:endParaRPr lang="en-US"/>
+          </a:p>
+        </p:txBody>
+      </p:sp>
+      <p:sp>
+        <p:nvSpPr>
+          <p:cNvPr id="4" name="Subtitle 3">
+            <a:extLst>
+              <a:ext uri="{FF2B5EF4-FFF2-40B4-BE49-F238E27FC236}">
+                <a16:creationId xmlns:a16="http://schemas.microsoft.com/office/drawing/2014/main" id="{D6F86351-5E22-699A-263F-835C012FC3EE}"/>
+              </a:ext>
+            </a:extLst>
+          </p:cNvPr>
+          <p:cNvSpPr>
+            <a:spLocks noGrp="1"/>
+          </p:cNvSpPr>
+          <p:nvPr>
+            <p:ph type="subTitle" idx="1"/>
+          </p:nvPr>
+        </p:nvSpPr>
+        <p:spPr/>
+        <p:txBody>
+          <a:bodyPr/>
+          <a:lstStyle/>
+          <a:p>
+            <a:r>
+              <a:rPr lang="fi-FI"/>
+              <a:t>Yleisluontoinen esitys ongelmasta </a:t>
+            </a:r>
+            <a:endParaRPr lang="en-US"/>
+          </a:p>
+        </p:txBody>
+      </p:sp>
+      <p:sp>
+        <p:nvSpPr>
+          <p:cNvPr id="5" name="Text Placeholder 4">
+            <a:extLst>
+              <a:ext uri="{FF2B5EF4-FFF2-40B4-BE49-F238E27FC236}">
+                <a16:creationId xmlns:a16="http://schemas.microsoft.com/office/drawing/2014/main" id="{A551464F-E62C-0867-D890-BEFFD93D14BD}"/>
+              </a:ext>
+            </a:extLst>
+          </p:cNvPr>
+          <p:cNvSpPr>
+            <a:spLocks noGrp="1"/>
+          </p:cNvSpPr>
+          <p:nvPr>
+            <p:ph type="body" sz="quarter" idx="10"/>
+          </p:nvPr>
+        </p:nvSpPr>
+        <p:spPr/>
+        <p:txBody>
+          <a:bodyPr/>
+          <a:lstStyle/>
+          <a:p>
+            <a:pPr marL="285750" indent="-285750">
+              <a:buFont typeface="Arial" panose="020B0604020202020204" pitchFamily="34" charset="0"/>
+              <a:buChar char="•"/>
+            </a:pPr>
+            <a:r>
+              <a:rPr lang="fi-FI"/>
+              <a:t>Miksi meillä on DPF ?</a:t>
+            </a:r>
+          </a:p>
+          <a:p>
+            <a:pPr marL="285750" indent="-285750">
+              <a:buFont typeface="Arial" panose="020B0604020202020204" pitchFamily="34" charset="0"/>
+              <a:buChar char="•"/>
+            </a:pPr>
+            <a:r>
+              <a:rPr lang="fi-FI"/>
+              <a:t>Miksi DPF:n tila täytyy tuntea?</a:t>
+            </a:r>
+          </a:p>
+          <a:p>
+            <a:pPr marL="285750" indent="-285750">
+              <a:buFont typeface="Arial" panose="020B0604020202020204" pitchFamily="34" charset="0"/>
+              <a:buChar char="•"/>
+            </a:pPr>
+            <a:r>
+              <a:rPr lang="fi-FI"/>
+              <a:t>Miksi se on vaikeeta?</a:t>
+            </a:r>
+          </a:p>
+          <a:p>
+            <a:pPr marL="285750" indent="-285750">
+              <a:buFont typeface="Arial" panose="020B0604020202020204" pitchFamily="34" charset="0"/>
+              <a:buChar char="•"/>
+            </a:pPr>
+            <a:r>
+              <a:rPr lang="fi-FI"/>
+              <a:t>Mikä on noen ja tuhkan ero?</a:t>
+            </a:r>
+          </a:p>
+          <a:p>
+            <a:pPr marL="285750" indent="-285750">
+              <a:buFont typeface="Arial" panose="020B0604020202020204" pitchFamily="34" charset="0"/>
+              <a:buChar char="•"/>
+            </a:pPr>
+            <a:endParaRPr lang="en-US"/>
+          </a:p>
+        </p:txBody>
+      </p:sp>
+    </p:spTree>
+    <p:extLst>
+      <p:ext uri="{BB962C8B-B14F-4D97-AF65-F5344CB8AC3E}">
+        <p14:creationId xmlns:p14="http://schemas.microsoft.com/office/powerpoint/2010/main" val="459595901"/>
+      </p:ext>
+    </p:extLst>
+  </p:cSld>
+  <p:clrMapOvr>
+    <a:masterClrMapping/>
+  </p:clrMapOvr>
+</p:sld>
+</file>
+
+<file path=ppt/slides/slide3.xml><?xml version="1.0" encoding="utf-8"?>
+<p:sld xmlns:a="http://schemas.openxmlformats.org/drawingml/2006/main" xmlns:r="http://schemas.openxmlformats.org/officeDocument/2006/relationships" xmlns:p="http://schemas.openxmlformats.org/presentationml/2006/main">
+  <p:cSld>
+    <p:spTree>
+      <p:nvGrpSpPr>
+        <p:cNvPr id="1" name=""/>
+        <p:cNvGrpSpPr/>
+        <p:nvPr/>
+      </p:nvGrpSpPr>
+      <p:grpSpPr>
+        <a:xfrm>
+          <a:off x="0" y="0"/>
+          <a:ext cx="0" cy="0"/>
+          <a:chOff x="0" y="0"/>
+          <a:chExt cx="0" cy="0"/>
+        </a:xfrm>
+      </p:grpSpPr>
+      <p:sp>
+        <p:nvSpPr>
+          <p:cNvPr id="2" name="Slide Number Placeholder 1">
+            <a:extLst>
+              <a:ext uri="{FF2B5EF4-FFF2-40B4-BE49-F238E27FC236}">
+                <a16:creationId xmlns:a16="http://schemas.microsoft.com/office/drawing/2014/main" id="{98B58309-332B-3E33-7761-E23316876057}"/>
+              </a:ext>
+            </a:extLst>
+          </p:cNvPr>
+          <p:cNvSpPr>
+            <a:spLocks noGrp="1"/>
+          </p:cNvSpPr>
+          <p:nvPr>
+            <p:ph type="sldNum" sz="quarter" idx="16"/>
+          </p:nvPr>
+        </p:nvSpPr>
+        <p:spPr/>
+        <p:txBody>
+          <a:bodyPr/>
+          <a:lstStyle/>
+          <a:p>
+            <a:fld id="{96D33AE4-1C69-4C96-A50A-B3F452EE801C}" type="slidenum">
+              <a:rPr lang="en-US" smtClean="0">
+                <a:solidFill>
+                  <a:prstClr val="black"/>
+                </a:solidFill>
+              </a:rPr>
+              <a:pPr/>
+              <a:t>3</a:t>
+            </a:fld>
+            <a:endParaRPr lang="en-US" dirty="0">
+              <a:solidFill>
+                <a:prstClr val="black"/>
+              </a:solidFill>
+            </a:endParaRPr>
+          </a:p>
+        </p:txBody>
+      </p:sp>
+      <p:sp>
+        <p:nvSpPr>
+          <p:cNvPr id="3" name="Title 2">
+            <a:extLst>
+              <a:ext uri="{FF2B5EF4-FFF2-40B4-BE49-F238E27FC236}">
+                <a16:creationId xmlns:a16="http://schemas.microsoft.com/office/drawing/2014/main" id="{C697C5BF-3C9E-4C50-2A32-59E020EA6BB9}"/>
+              </a:ext>
+            </a:extLst>
+          </p:cNvPr>
+          <p:cNvSpPr>
+            <a:spLocks noGrp="1"/>
+          </p:cNvSpPr>
+          <p:nvPr>
+            <p:ph type="ctrTitle"/>
+          </p:nvPr>
+        </p:nvSpPr>
+        <p:spPr/>
+        <p:txBody>
+          <a:bodyPr/>
+          <a:lstStyle/>
+          <a:p>
+            <a:r>
+              <a:rPr lang="en-US"/>
+              <a:t>Lohkokaavio</a:t>
+            </a:r>
+            <a:endParaRPr lang="en-US" dirty="0"/>
+          </a:p>
+        </p:txBody>
+      </p:sp>
+      <p:sp>
+        <p:nvSpPr>
+          <p:cNvPr id="6" name="Text Placeholder 5">
+            <a:extLst>
+              <a:ext uri="{FF2B5EF4-FFF2-40B4-BE49-F238E27FC236}">
+                <a16:creationId xmlns:a16="http://schemas.microsoft.com/office/drawing/2014/main" id="{33030137-574F-2D53-88C4-76E0E3D15232}"/>
+              </a:ext>
+            </a:extLst>
+          </p:cNvPr>
+          <p:cNvSpPr>
+            <a:spLocks noGrp="1"/>
+          </p:cNvSpPr>
+          <p:nvPr>
+            <p:ph type="body" sz="quarter" idx="10"/>
+          </p:nvPr>
+        </p:nvSpPr>
+        <p:spPr>
+          <a:xfrm>
+            <a:off x="513351" y="1338768"/>
+            <a:ext cx="11155678" cy="1412152"/>
+          </a:xfrm>
+        </p:spPr>
+        <p:txBody>
+          <a:bodyPr/>
+          <a:lstStyle/>
+          <a:p>
+            <a:pPr marL="0" indent="0">
+              <a:buNone/>
+            </a:pPr>
+            <a:r>
+              <a:rPr lang="pt-BR"/>
+              <a:t>Työssä tarkasteltava systeemi lohkokaavioesityksenä. Estimaattoriin sisäänmenevien satunnaismuuttuja-inputien jakaumat oletetaan työssä tunnetuiksi, mutta niiden vaikutusta estimaattorin ulostulojen jakaumiin halutaan selvittää.</a:t>
+            </a:r>
+            <a:endParaRPr lang="pt-BR" dirty="0"/>
+          </a:p>
+          <a:p>
+            <a:pPr marL="0" indent="0">
+              <a:buNone/>
+            </a:pPr>
+            <a:endParaRPr lang="en-US" dirty="0"/>
+          </a:p>
+        </p:txBody>
+      </p:sp>
+      <p:pic>
+        <p:nvPicPr>
+          <p:cNvPr id="13" name="Picture 12">
+            <a:extLst>
+              <a:ext uri="{FF2B5EF4-FFF2-40B4-BE49-F238E27FC236}">
+                <a16:creationId xmlns:a16="http://schemas.microsoft.com/office/drawing/2014/main" id="{89C0DDCF-9812-6D1E-0BC7-6DF307FA79A1}"/>
+              </a:ext>
+            </a:extLst>
+          </p:cNvPr>
+          <p:cNvPicPr>
+            <a:picLocks noChangeAspect="1"/>
+          </p:cNvPicPr>
+          <p:nvPr/>
+        </p:nvPicPr>
+        <p:blipFill>
+          <a:blip r:embed="rId2"/>
+          <a:stretch>
+            <a:fillRect/>
+          </a:stretch>
+        </p:blipFill>
+        <p:spPr>
+          <a:xfrm>
+            <a:off x="0" y="1899543"/>
+            <a:ext cx="7858664" cy="3751476"/>
+          </a:xfrm>
+          <a:prstGeom prst="rect">
+            <a:avLst/>
+          </a:prstGeom>
+        </p:spPr>
+      </p:pic>
+      <mc:AlternateContent xmlns:mc="http://schemas.openxmlformats.org/markup-compatibility/2006">
+        <mc:Choice xmlns:p14="http://schemas.microsoft.com/office/powerpoint/2010/main" Requires="p14">
+          <p:contentPart p14:bwMode="auto" r:id="rId3">
+            <p14:nvContentPartPr>
+              <p14:cNvPr id="19" name="Ink 18">
+                <a:extLst>
+                  <a:ext uri="{FF2B5EF4-FFF2-40B4-BE49-F238E27FC236}">
+                    <a16:creationId xmlns:a16="http://schemas.microsoft.com/office/drawing/2014/main" id="{921B4D47-7ADC-22B5-EE50-8A7801DA673C}"/>
+                  </a:ext>
+                </a:extLst>
+              </p14:cNvPr>
+              <p14:cNvContentPartPr/>
+              <p14:nvPr/>
+            </p14:nvContentPartPr>
+            <p14:xfrm>
+              <a:off x="138024" y="3982817"/>
+              <a:ext cx="11330796" cy="360"/>
+            </p14:xfrm>
+          </p:contentPart>
+        </mc:Choice>
+        <mc:Fallback>
+          <p:pic>
+            <p:nvPicPr>
+              <p:cNvPr id="19" name="Ink 18">
+                <a:extLst>
+                  <a:ext uri="{FF2B5EF4-FFF2-40B4-BE49-F238E27FC236}">
+                    <a16:creationId xmlns:a16="http://schemas.microsoft.com/office/drawing/2014/main" id="{921B4D47-7ADC-22B5-EE50-8A7801DA673C}"/>
+                  </a:ext>
+                </a:extLst>
+              </p:cNvPr>
+              <p:cNvPicPr/>
+              <p:nvPr/>
+            </p:nvPicPr>
+            <p:blipFill>
+              <a:blip r:embed="rId4"/>
+              <a:stretch>
+                <a:fillRect/>
+              </a:stretch>
+            </p:blipFill>
+            <p:spPr>
+              <a:xfrm>
+                <a:off x="131904" y="3976697"/>
+                <a:ext cx="11343036" cy="12600"/>
+              </a:xfrm>
+              <a:prstGeom prst="rect">
+                <a:avLst/>
+              </a:prstGeom>
+            </p:spPr>
+          </p:pic>
+        </mc:Fallback>
+      </mc:AlternateContent>
+      <mc:AlternateContent xmlns:mc="http://schemas.openxmlformats.org/markup-compatibility/2006">
+        <mc:Choice xmlns:p14="http://schemas.microsoft.com/office/powerpoint/2010/main" Requires="p14">
+          <p:contentPart p14:bwMode="auto" r:id="rId5">
+            <p14:nvContentPartPr>
+              <p14:cNvPr id="20" name="Ink 19">
+                <a:extLst>
+                  <a:ext uri="{FF2B5EF4-FFF2-40B4-BE49-F238E27FC236}">
+                    <a16:creationId xmlns:a16="http://schemas.microsoft.com/office/drawing/2014/main" id="{2C08BD62-9731-FBEB-5D0E-C4682C1AB773}"/>
+                  </a:ext>
+                </a:extLst>
+              </p14:cNvPr>
+              <p14:cNvContentPartPr/>
+              <p14:nvPr/>
+            </p14:nvContentPartPr>
+            <p14:xfrm>
+              <a:off x="13155069" y="4012337"/>
+              <a:ext cx="360" cy="360"/>
+            </p14:xfrm>
+          </p:contentPart>
+        </mc:Choice>
+        <mc:Fallback>
+          <p:pic>
+            <p:nvPicPr>
+              <p:cNvPr id="20" name="Ink 19">
+                <a:extLst>
+                  <a:ext uri="{FF2B5EF4-FFF2-40B4-BE49-F238E27FC236}">
+                    <a16:creationId xmlns:a16="http://schemas.microsoft.com/office/drawing/2014/main" id="{2C08BD62-9731-FBEB-5D0E-C4682C1AB773}"/>
+                  </a:ext>
+                </a:extLst>
+              </p:cNvPr>
+              <p:cNvPicPr/>
+              <p:nvPr/>
+            </p:nvPicPr>
+            <p:blipFill>
+              <a:blip r:embed="rId6"/>
+              <a:stretch>
+                <a:fillRect/>
+              </a:stretch>
+            </p:blipFill>
+            <p:spPr>
+              <a:xfrm>
+                <a:off x="13148949" y="4006217"/>
+                <a:ext cx="12600" cy="12600"/>
+              </a:xfrm>
+              <a:prstGeom prst="rect">
+                <a:avLst/>
+              </a:prstGeom>
+            </p:spPr>
+          </p:pic>
+        </mc:Fallback>
+      </mc:AlternateContent>
+      <mc:AlternateContent xmlns:mc="http://schemas.openxmlformats.org/markup-compatibility/2006">
+        <mc:Choice xmlns:p14="http://schemas.microsoft.com/office/powerpoint/2010/main" Requires="p14">
+          <p:contentPart p14:bwMode="auto" r:id="rId7">
+            <p14:nvContentPartPr>
+              <p14:cNvPr id="21" name="Ink 20">
+                <a:extLst>
+                  <a:ext uri="{FF2B5EF4-FFF2-40B4-BE49-F238E27FC236}">
+                    <a16:creationId xmlns:a16="http://schemas.microsoft.com/office/drawing/2014/main" id="{5331ECB5-CA0C-0BA8-F487-08BB34EF755E}"/>
+                  </a:ext>
+                </a:extLst>
+              </p14:cNvPr>
+              <p14:cNvContentPartPr/>
+              <p14:nvPr/>
+            </p14:nvContentPartPr>
+            <p14:xfrm>
+              <a:off x="13122669" y="3267137"/>
+              <a:ext cx="360" cy="360"/>
+            </p14:xfrm>
+          </p:contentPart>
+        </mc:Choice>
+        <mc:Fallback>
+          <p:pic>
+            <p:nvPicPr>
+              <p:cNvPr id="21" name="Ink 20">
+                <a:extLst>
+                  <a:ext uri="{FF2B5EF4-FFF2-40B4-BE49-F238E27FC236}">
+                    <a16:creationId xmlns:a16="http://schemas.microsoft.com/office/drawing/2014/main" id="{5331ECB5-CA0C-0BA8-F487-08BB34EF755E}"/>
+                  </a:ext>
+                </a:extLst>
+              </p:cNvPr>
+              <p:cNvPicPr/>
+              <p:nvPr/>
+            </p:nvPicPr>
+            <p:blipFill>
+              <a:blip r:embed="rId6"/>
+              <a:stretch>
+                <a:fillRect/>
+              </a:stretch>
+            </p:blipFill>
+            <p:spPr>
+              <a:xfrm>
+                <a:off x="13116549" y="3261017"/>
+                <a:ext cx="12600" cy="12600"/>
+              </a:xfrm>
+              <a:prstGeom prst="rect">
+                <a:avLst/>
+              </a:prstGeom>
+            </p:spPr>
+          </p:pic>
+        </mc:Fallback>
+      </mc:AlternateContent>
+      <p:sp>
+        <p:nvSpPr>
+          <p:cNvPr id="22" name="TextBox 21">
+            <a:extLst>
+              <a:ext uri="{FF2B5EF4-FFF2-40B4-BE49-F238E27FC236}">
+                <a16:creationId xmlns:a16="http://schemas.microsoft.com/office/drawing/2014/main" id="{4A041CA1-6AC9-8C3B-CE67-9AB4228913C4}"/>
+              </a:ext>
+            </a:extLst>
+          </p:cNvPr>
+          <p:cNvSpPr txBox="1"/>
+          <p:nvPr/>
+        </p:nvSpPr>
+        <p:spPr>
+          <a:xfrm>
+            <a:off x="9312007" y="3232525"/>
+            <a:ext cx="1939226" cy="646331"/>
+          </a:xfrm>
+          <a:prstGeom prst="rect">
+            <a:avLst/>
+          </a:prstGeom>
+          <a:noFill/>
+        </p:spPr>
+        <p:txBody>
+          <a:bodyPr wrap="square" rtlCol="0">
+            <a:spAutoFit/>
+          </a:bodyPr>
+          <a:lstStyle/>
+          <a:p>
+            <a:r>
+              <a:rPr lang="fi-FI"/>
+              <a:t>Fyysinen järjestelmä</a:t>
+            </a:r>
+            <a:endParaRPr lang="en-US"/>
+          </a:p>
+        </p:txBody>
+      </p:sp>
+      <p:sp>
+        <p:nvSpPr>
+          <p:cNvPr id="23" name="TextBox 22">
+            <a:extLst>
+              <a:ext uri="{FF2B5EF4-FFF2-40B4-BE49-F238E27FC236}">
+                <a16:creationId xmlns:a16="http://schemas.microsoft.com/office/drawing/2014/main" id="{B24647B2-A7AF-F850-CBEF-5A1E132F3131}"/>
+              </a:ext>
+            </a:extLst>
+          </p:cNvPr>
+          <p:cNvSpPr txBox="1"/>
+          <p:nvPr/>
+        </p:nvSpPr>
+        <p:spPr>
+          <a:xfrm>
+            <a:off x="9312007" y="4191099"/>
+            <a:ext cx="2548697" cy="369332"/>
+          </a:xfrm>
+          <a:prstGeom prst="rect">
+            <a:avLst/>
+          </a:prstGeom>
+          <a:noFill/>
+        </p:spPr>
+        <p:txBody>
+          <a:bodyPr wrap="square" rtlCol="0">
+            <a:spAutoFit/>
+          </a:bodyPr>
+          <a:lstStyle/>
+          <a:p>
+            <a:r>
+              <a:rPr lang="fi-FI"/>
+              <a:t>Mallit, arviot</a:t>
+            </a:r>
+            <a:endParaRPr lang="en-US"/>
+          </a:p>
+        </p:txBody>
+      </p:sp>
+    </p:spTree>
+    <p:extLst>
+      <p:ext uri="{BB962C8B-B14F-4D97-AF65-F5344CB8AC3E}">
+        <p14:creationId xmlns:p14="http://schemas.microsoft.com/office/powerpoint/2010/main" val="3865676988"/>
+      </p:ext>
+    </p:extLst>
+  </p:cSld>
+  <p:clrMapOvr>
+    <a:masterClrMapping/>
+  </p:clrMapOvr>
+</p:sld>
+</file>
+
+<file path=ppt/slides/slide4.xml><?xml version="1.0" encoding="utf-8"?>
+<p:sld xmlns:a="http://schemas.openxmlformats.org/drawingml/2006/main" xmlns:r="http://schemas.openxmlformats.org/officeDocument/2006/relationships" xmlns:p="http://schemas.openxmlformats.org/presentationml/2006/main">
+  <p:cSld>
+    <p:spTree>
+      <p:nvGrpSpPr>
+        <p:cNvPr id="1" name=""/>
+        <p:cNvGrpSpPr/>
+        <p:nvPr/>
+      </p:nvGrpSpPr>
+      <p:grpSpPr>
+        <a:xfrm>
+          <a:off x="0" y="0"/>
+          <a:ext cx="0" cy="0"/>
+          <a:chOff x="0" y="0"/>
+          <a:chExt cx="0" cy="0"/>
+        </a:xfrm>
+      </p:grpSpPr>
+      <p:sp>
+        <p:nvSpPr>
+          <p:cNvPr id="2" name="Slide Number Placeholder 1">
+            <a:extLst>
+              <a:ext uri="{FF2B5EF4-FFF2-40B4-BE49-F238E27FC236}">
+                <a16:creationId xmlns:a16="http://schemas.microsoft.com/office/drawing/2014/main" id="{2BEDC11F-22A9-3AF1-144E-2E054CD0BE49}"/>
+              </a:ext>
+            </a:extLst>
+          </p:cNvPr>
+          <p:cNvSpPr>
+            <a:spLocks noGrp="1"/>
+          </p:cNvSpPr>
+          <p:nvPr>
+            <p:ph type="sldNum" sz="quarter" idx="16"/>
+          </p:nvPr>
+        </p:nvSpPr>
+        <p:spPr/>
+        <p:txBody>
+          <a:bodyPr/>
+          <a:lstStyle/>
+          <a:p>
+            <a:fld id="{96D33AE4-1C69-4C96-A50A-B3F452EE801C}" type="slidenum">
+              <a:rPr lang="en-US" smtClean="0">
+                <a:solidFill>
+                  <a:prstClr val="black"/>
+                </a:solidFill>
+              </a:rPr>
+              <a:pPr/>
+              <a:t>4</a:t>
             </a:fld>
             <a:endParaRPr lang="en-US" dirty="0">
               <a:solidFill>
@@ -10424,7 +11015,7 @@
                 <a:latin typeface="Tilda Sans Medium" panose="020B0502020204020303" pitchFamily="34" charset="0"/>
                 <a:sym typeface="Wingdings" panose="05000000000000000000" pitchFamily="2" charset="2"/>
               </a:rPr>
-              <a:t> varianssi kertoo estimaattien luotettavuudesta.</a:t>
+              <a:t> varianssi kertoo estimaattien luotettavuudesta.</a:t>
             </a:r>
             <a:endParaRPr lang="en-US" sz="1400">
               <a:latin typeface="Tilda Sans Medium" panose="020B0502020204020303" pitchFamily="34" charset="0"/>
@@ -11515,7 +12106,7 @@
 </p:sld>
 </file>
 
-<file path=ppt/slides/slide3.xml><?xml version="1.0" encoding="utf-8"?>
+<file path=ppt/slides/slide5.xml><?xml version="1.0" encoding="utf-8"?>
 <p:sld xmlns:a="http://schemas.openxmlformats.org/drawingml/2006/main" xmlns:r="http://schemas.openxmlformats.org/officeDocument/2006/relationships" xmlns:p="http://schemas.openxmlformats.org/presentationml/2006/main">
   <p:cSld>
     <p:spTree>
@@ -11560,7 +12151,7 @@
                 </a:solidFill>
               </a:rPr>
               <a:pPr/>
-              <a:t>3</a:t>
+              <a:t>5</a:t>
             </a:fld>
             <a:endParaRPr lang="en-US" dirty="0">
               <a:solidFill>
@@ -11662,6 +12253,20 @@
           </a:p>
           <a:p>
             <a:endParaRPr lang="en-US"/>
+          </a:p>
+          <a:p>
+            <a:pPr marL="285750" indent="-285750">
+              <a:buFont typeface="Arial" panose="020B0604020202020204" pitchFamily="34" charset="0"/>
+              <a:buChar char="•"/>
+            </a:pPr>
+            <a:r>
+              <a:rPr lang="en-US">
+                <a:solidFill>
+                  <a:srgbClr val="FF0000"/>
+                </a:solidFill>
+              </a:rPr>
+              <a:t>Selitteet</a:t>
+            </a:r>
           </a:p>
           <a:p>
             <a:pPr marL="285750" indent="-285750">
@@ -12685,7 +13290,7 @@
 </p:sld>
 </file>
 
-<file path=ppt/slides/slide4.xml><?xml version="1.0" encoding="utf-8"?>
+<file path=ppt/slides/slide6.xml><?xml version="1.0" encoding="utf-8"?>
 <p:sld xmlns:a="http://schemas.openxmlformats.org/drawingml/2006/main" xmlns:r="http://schemas.openxmlformats.org/officeDocument/2006/relationships" xmlns:p="http://schemas.openxmlformats.org/presentationml/2006/main">
   <p:cSld>
     <p:spTree>
@@ -12707,7 +13312,7 @@
           <p:cNvPr id="2" name="Slide Number Placeholder 1">
             <a:extLst>
               <a:ext uri="{FF2B5EF4-FFF2-40B4-BE49-F238E27FC236}">
-                <a16:creationId xmlns:a16="http://schemas.microsoft.com/office/drawing/2014/main" id="{98B58309-332B-3E33-7761-E23316876057}"/>
+                <a16:creationId xmlns:a16="http://schemas.microsoft.com/office/drawing/2014/main" id="{2B88E5A8-8F0D-67D0-39B1-48B3917E30DF}"/>
               </a:ext>
             </a:extLst>
           </p:cNvPr>
@@ -12730,402 +13335,7 @@
                 </a:solidFill>
               </a:rPr>
               <a:pPr/>
-              <a:t>4</a:t>
-            </a:fld>
-            <a:endParaRPr lang="en-US" dirty="0">
-              <a:solidFill>
-                <a:prstClr val="black"/>
-              </a:solidFill>
-            </a:endParaRPr>
-          </a:p>
-        </p:txBody>
-      </p:sp>
-      <p:sp>
-        <p:nvSpPr>
-          <p:cNvPr id="3" name="Title 2">
-            <a:extLst>
-              <a:ext uri="{FF2B5EF4-FFF2-40B4-BE49-F238E27FC236}">
-                <a16:creationId xmlns:a16="http://schemas.microsoft.com/office/drawing/2014/main" id="{C697C5BF-3C9E-4C50-2A32-59E020EA6BB9}"/>
-              </a:ext>
-            </a:extLst>
-          </p:cNvPr>
-          <p:cNvSpPr>
-            <a:spLocks noGrp="1"/>
-          </p:cNvSpPr>
-          <p:nvPr>
-            <p:ph type="ctrTitle"/>
-          </p:nvPr>
-        </p:nvSpPr>
-        <p:spPr/>
-        <p:txBody>
-          <a:bodyPr/>
-          <a:lstStyle/>
-          <a:p>
-            <a:r>
-              <a:rPr lang="en-US"/>
-              <a:t>Lohkokaavio</a:t>
-            </a:r>
-            <a:endParaRPr lang="en-US" dirty="0"/>
-          </a:p>
-        </p:txBody>
-      </p:sp>
-      <p:sp>
-        <p:nvSpPr>
-          <p:cNvPr id="6" name="Text Placeholder 5">
-            <a:extLst>
-              <a:ext uri="{FF2B5EF4-FFF2-40B4-BE49-F238E27FC236}">
-                <a16:creationId xmlns:a16="http://schemas.microsoft.com/office/drawing/2014/main" id="{33030137-574F-2D53-88C4-76E0E3D15232}"/>
-              </a:ext>
-            </a:extLst>
-          </p:cNvPr>
-          <p:cNvSpPr>
-            <a:spLocks noGrp="1"/>
-          </p:cNvSpPr>
-          <p:nvPr>
-            <p:ph type="body" sz="quarter" idx="10"/>
-          </p:nvPr>
-        </p:nvSpPr>
-        <p:spPr>
-          <a:xfrm>
-            <a:off x="513351" y="1338768"/>
-            <a:ext cx="11155678" cy="1412152"/>
-          </a:xfrm>
-        </p:spPr>
-        <p:txBody>
-          <a:bodyPr/>
-          <a:lstStyle/>
-          <a:p>
-            <a:pPr marL="0" indent="0">
-              <a:buNone/>
-            </a:pPr>
-            <a:r>
-              <a:rPr lang="pt-BR"/>
-              <a:t>Työssä tarkasteltava systeemi lohkokaavioesityksenä. Estimaattoriin sisäänmenevien satunnaismuuttuja-inputien jakaumat oletetaan työssä tunnetuiksi, mutta niiden vaikutusta estimaattorin ulostulojen jakaumiin halutaan selvittää.</a:t>
-            </a:r>
-            <a:endParaRPr lang="pt-BR" dirty="0"/>
-          </a:p>
-          <a:p>
-            <a:pPr marL="0" indent="0">
-              <a:buNone/>
-            </a:pPr>
-            <a:endParaRPr lang="en-US" dirty="0"/>
-          </a:p>
-        </p:txBody>
-      </p:sp>
-      <p:pic>
-        <p:nvPicPr>
-          <p:cNvPr id="13" name="Picture 12">
-            <a:extLst>
-              <a:ext uri="{FF2B5EF4-FFF2-40B4-BE49-F238E27FC236}">
-                <a16:creationId xmlns:a16="http://schemas.microsoft.com/office/drawing/2014/main" id="{89C0DDCF-9812-6D1E-0BC7-6DF307FA79A1}"/>
-              </a:ext>
-            </a:extLst>
-          </p:cNvPr>
-          <p:cNvPicPr>
-            <a:picLocks noChangeAspect="1"/>
-          </p:cNvPicPr>
-          <p:nvPr/>
-        </p:nvPicPr>
-        <p:blipFill>
-          <a:blip r:embed="rId2"/>
-          <a:stretch>
-            <a:fillRect/>
-          </a:stretch>
-        </p:blipFill>
-        <p:spPr>
-          <a:xfrm>
-            <a:off x="0" y="1899543"/>
-            <a:ext cx="7858664" cy="3751476"/>
-          </a:xfrm>
-          <a:prstGeom prst="rect">
-            <a:avLst/>
-          </a:prstGeom>
-        </p:spPr>
-      </p:pic>
-      <mc:AlternateContent xmlns:mc="http://schemas.openxmlformats.org/markup-compatibility/2006">
-        <mc:Choice xmlns:p14="http://schemas.microsoft.com/office/powerpoint/2010/main" Requires="p14">
-          <p:contentPart p14:bwMode="auto" r:id="rId3">
-            <p14:nvContentPartPr>
-              <p14:cNvPr id="19" name="Ink 18">
-                <a:extLst>
-                  <a:ext uri="{FF2B5EF4-FFF2-40B4-BE49-F238E27FC236}">
-                    <a16:creationId xmlns:a16="http://schemas.microsoft.com/office/drawing/2014/main" id="{921B4D47-7ADC-22B5-EE50-8A7801DA673C}"/>
-                  </a:ext>
-                </a:extLst>
-              </p14:cNvPr>
-              <p14:cNvContentPartPr/>
-              <p14:nvPr/>
-            </p14:nvContentPartPr>
-            <p14:xfrm>
-              <a:off x="138024" y="3982817"/>
-              <a:ext cx="11330796" cy="360"/>
-            </p14:xfrm>
-          </p:contentPart>
-        </mc:Choice>
-        <mc:Fallback>
-          <p:pic>
-            <p:nvPicPr>
-              <p:cNvPr id="19" name="Ink 18">
-                <a:extLst>
-                  <a:ext uri="{FF2B5EF4-FFF2-40B4-BE49-F238E27FC236}">
-                    <a16:creationId xmlns:a16="http://schemas.microsoft.com/office/drawing/2014/main" id="{921B4D47-7ADC-22B5-EE50-8A7801DA673C}"/>
-                  </a:ext>
-                </a:extLst>
-              </p:cNvPr>
-              <p:cNvPicPr/>
-              <p:nvPr/>
-            </p:nvPicPr>
-            <p:blipFill>
-              <a:blip r:embed="rId4"/>
-              <a:stretch>
-                <a:fillRect/>
-              </a:stretch>
-            </p:blipFill>
-            <p:spPr>
-              <a:xfrm>
-                <a:off x="131904" y="3976697"/>
-                <a:ext cx="11343036" cy="12600"/>
-              </a:xfrm>
-              <a:prstGeom prst="rect">
-                <a:avLst/>
-              </a:prstGeom>
-            </p:spPr>
-          </p:pic>
-        </mc:Fallback>
-      </mc:AlternateContent>
-      <mc:AlternateContent xmlns:mc="http://schemas.openxmlformats.org/markup-compatibility/2006">
-        <mc:Choice xmlns:p14="http://schemas.microsoft.com/office/powerpoint/2010/main" Requires="p14">
-          <p:contentPart p14:bwMode="auto" r:id="rId5">
-            <p14:nvContentPartPr>
-              <p14:cNvPr id="20" name="Ink 19">
-                <a:extLst>
-                  <a:ext uri="{FF2B5EF4-FFF2-40B4-BE49-F238E27FC236}">
-                    <a16:creationId xmlns:a16="http://schemas.microsoft.com/office/drawing/2014/main" id="{2C08BD62-9731-FBEB-5D0E-C4682C1AB773}"/>
-                  </a:ext>
-                </a:extLst>
-              </p14:cNvPr>
-              <p14:cNvContentPartPr/>
-              <p14:nvPr/>
-            </p14:nvContentPartPr>
-            <p14:xfrm>
-              <a:off x="13155069" y="4012337"/>
-              <a:ext cx="360" cy="360"/>
-            </p14:xfrm>
-          </p:contentPart>
-        </mc:Choice>
-        <mc:Fallback>
-          <p:pic>
-            <p:nvPicPr>
-              <p:cNvPr id="20" name="Ink 19">
-                <a:extLst>
-                  <a:ext uri="{FF2B5EF4-FFF2-40B4-BE49-F238E27FC236}">
-                    <a16:creationId xmlns:a16="http://schemas.microsoft.com/office/drawing/2014/main" id="{2C08BD62-9731-FBEB-5D0E-C4682C1AB773}"/>
-                  </a:ext>
-                </a:extLst>
-              </p:cNvPr>
-              <p:cNvPicPr/>
-              <p:nvPr/>
-            </p:nvPicPr>
-            <p:blipFill>
-              <a:blip r:embed="rId6"/>
-              <a:stretch>
-                <a:fillRect/>
-              </a:stretch>
-            </p:blipFill>
-            <p:spPr>
-              <a:xfrm>
-                <a:off x="13148949" y="4006217"/>
-                <a:ext cx="12600" cy="12600"/>
-              </a:xfrm>
-              <a:prstGeom prst="rect">
-                <a:avLst/>
-              </a:prstGeom>
-            </p:spPr>
-          </p:pic>
-        </mc:Fallback>
-      </mc:AlternateContent>
-      <mc:AlternateContent xmlns:mc="http://schemas.openxmlformats.org/markup-compatibility/2006">
-        <mc:Choice xmlns:p14="http://schemas.microsoft.com/office/powerpoint/2010/main" Requires="p14">
-          <p:contentPart p14:bwMode="auto" r:id="rId7">
-            <p14:nvContentPartPr>
-              <p14:cNvPr id="21" name="Ink 20">
-                <a:extLst>
-                  <a:ext uri="{FF2B5EF4-FFF2-40B4-BE49-F238E27FC236}">
-                    <a16:creationId xmlns:a16="http://schemas.microsoft.com/office/drawing/2014/main" id="{5331ECB5-CA0C-0BA8-F487-08BB34EF755E}"/>
-                  </a:ext>
-                </a:extLst>
-              </p14:cNvPr>
-              <p14:cNvContentPartPr/>
-              <p14:nvPr/>
-            </p14:nvContentPartPr>
-            <p14:xfrm>
-              <a:off x="13122669" y="3267137"/>
-              <a:ext cx="360" cy="360"/>
-            </p14:xfrm>
-          </p:contentPart>
-        </mc:Choice>
-        <mc:Fallback>
-          <p:pic>
-            <p:nvPicPr>
-              <p:cNvPr id="21" name="Ink 20">
-                <a:extLst>
-                  <a:ext uri="{FF2B5EF4-FFF2-40B4-BE49-F238E27FC236}">
-                    <a16:creationId xmlns:a16="http://schemas.microsoft.com/office/drawing/2014/main" id="{5331ECB5-CA0C-0BA8-F487-08BB34EF755E}"/>
-                  </a:ext>
-                </a:extLst>
-              </p:cNvPr>
-              <p:cNvPicPr/>
-              <p:nvPr/>
-            </p:nvPicPr>
-            <p:blipFill>
-              <a:blip r:embed="rId6"/>
-              <a:stretch>
-                <a:fillRect/>
-              </a:stretch>
-            </p:blipFill>
-            <p:spPr>
-              <a:xfrm>
-                <a:off x="13116549" y="3261017"/>
-                <a:ext cx="12600" cy="12600"/>
-              </a:xfrm>
-              <a:prstGeom prst="rect">
-                <a:avLst/>
-              </a:prstGeom>
-            </p:spPr>
-          </p:pic>
-        </mc:Fallback>
-      </mc:AlternateContent>
-      <p:sp>
-        <p:nvSpPr>
-          <p:cNvPr id="22" name="TextBox 21">
-            <a:extLst>
-              <a:ext uri="{FF2B5EF4-FFF2-40B4-BE49-F238E27FC236}">
-                <a16:creationId xmlns:a16="http://schemas.microsoft.com/office/drawing/2014/main" id="{4A041CA1-6AC9-8C3B-CE67-9AB4228913C4}"/>
-              </a:ext>
-            </a:extLst>
-          </p:cNvPr>
-          <p:cNvSpPr txBox="1"/>
-          <p:nvPr/>
-        </p:nvSpPr>
-        <p:spPr>
-          <a:xfrm>
-            <a:off x="9312007" y="3232525"/>
-            <a:ext cx="1939226" cy="646331"/>
-          </a:xfrm>
-          <a:prstGeom prst="rect">
-            <a:avLst/>
-          </a:prstGeom>
-          <a:noFill/>
-        </p:spPr>
-        <p:txBody>
-          <a:bodyPr wrap="square" rtlCol="0">
-            <a:spAutoFit/>
-          </a:bodyPr>
-          <a:lstStyle/>
-          <a:p>
-            <a:r>
-              <a:rPr lang="fi-FI"/>
-              <a:t>Fyysinen järjestelmä</a:t>
-            </a:r>
-            <a:endParaRPr lang="en-US"/>
-          </a:p>
-        </p:txBody>
-      </p:sp>
-      <p:sp>
-        <p:nvSpPr>
-          <p:cNvPr id="23" name="TextBox 22">
-            <a:extLst>
-              <a:ext uri="{FF2B5EF4-FFF2-40B4-BE49-F238E27FC236}">
-                <a16:creationId xmlns:a16="http://schemas.microsoft.com/office/drawing/2014/main" id="{B24647B2-A7AF-F850-CBEF-5A1E132F3131}"/>
-              </a:ext>
-            </a:extLst>
-          </p:cNvPr>
-          <p:cNvSpPr txBox="1"/>
-          <p:nvPr/>
-        </p:nvSpPr>
-        <p:spPr>
-          <a:xfrm>
-            <a:off x="9312007" y="4191099"/>
-            <a:ext cx="2548697" cy="369332"/>
-          </a:xfrm>
-          <a:prstGeom prst="rect">
-            <a:avLst/>
-          </a:prstGeom>
-          <a:noFill/>
-        </p:spPr>
-        <p:txBody>
-          <a:bodyPr wrap="square" rtlCol="0">
-            <a:spAutoFit/>
-          </a:bodyPr>
-          <a:lstStyle/>
-          <a:p>
-            <a:r>
-              <a:rPr lang="fi-FI"/>
-              <a:t>Mallit, arviot</a:t>
-            </a:r>
-            <a:endParaRPr lang="en-US"/>
-          </a:p>
-        </p:txBody>
-      </p:sp>
-    </p:spTree>
-    <p:extLst>
-      <p:ext uri="{BB962C8B-B14F-4D97-AF65-F5344CB8AC3E}">
-        <p14:creationId xmlns:p14="http://schemas.microsoft.com/office/powerpoint/2010/main" val="3865676988"/>
-      </p:ext>
-    </p:extLst>
-  </p:cSld>
-  <p:clrMapOvr>
-    <a:masterClrMapping/>
-  </p:clrMapOvr>
-</p:sld>
-</file>
-
-<file path=ppt/slides/slide5.xml><?xml version="1.0" encoding="utf-8"?>
-<p:sld xmlns:a="http://schemas.openxmlformats.org/drawingml/2006/main" xmlns:r="http://schemas.openxmlformats.org/officeDocument/2006/relationships" xmlns:p="http://schemas.openxmlformats.org/presentationml/2006/main">
-  <p:cSld>
-    <p:spTree>
-      <p:nvGrpSpPr>
-        <p:cNvPr id="1" name=""/>
-        <p:cNvGrpSpPr/>
-        <p:nvPr/>
-      </p:nvGrpSpPr>
-      <p:grpSpPr>
-        <a:xfrm>
-          <a:off x="0" y="0"/>
-          <a:ext cx="0" cy="0"/>
-          <a:chOff x="0" y="0"/>
-          <a:chExt cx="0" cy="0"/>
-        </a:xfrm>
-      </p:grpSpPr>
-      <p:sp>
-        <p:nvSpPr>
-          <p:cNvPr id="2" name="Slide Number Placeholder 1">
-            <a:extLst>
-              <a:ext uri="{FF2B5EF4-FFF2-40B4-BE49-F238E27FC236}">
-                <a16:creationId xmlns:a16="http://schemas.microsoft.com/office/drawing/2014/main" id="{2B88E5A8-8F0D-67D0-39B1-48B3917E30DF}"/>
-              </a:ext>
-            </a:extLst>
-          </p:cNvPr>
-          <p:cNvSpPr>
-            <a:spLocks noGrp="1"/>
-          </p:cNvSpPr>
-          <p:nvPr>
-            <p:ph type="sldNum" sz="quarter" idx="16"/>
-          </p:nvPr>
-        </p:nvSpPr>
-        <p:spPr/>
-        <p:txBody>
-          <a:bodyPr/>
-          <a:lstStyle/>
-          <a:p>
-            <a:fld id="{96D33AE4-1C69-4C96-A50A-B3F452EE801C}" type="slidenum">
-              <a:rPr lang="en-US" smtClean="0">
-                <a:solidFill>
-                  <a:prstClr val="black"/>
-                </a:solidFill>
-              </a:rPr>
-              <a:pPr/>
-              <a:t>5</a:t>
+              <a:t>6</a:t>
             </a:fld>
             <a:endParaRPr lang="en-US" dirty="0">
               <a:solidFill>

--- a/Tutkimuskysymysesittely.pptx
+++ b/Tutkimuskysymysesittely.pptx
@@ -242,7 +242,7 @@
               <a:rPr lang="en-CA" smtClean="0">
                 <a:latin typeface="Tilda Sans Medium" panose="020B0502020204020303" pitchFamily="34" charset="0"/>
               </a:rPr>
-              <a:t>2025-05-21</a:t>
+              <a:t>2025-05-23</a:t>
             </a:fld>
             <a:endParaRPr lang="en-CA" dirty="0">
               <a:latin typeface="Tilda Sans Medium" panose="020B0502020204020303" pitchFamily="34" charset="0"/>
@@ -347,33 +347,6 @@
           <inkml:channelProperty channel="Y" name="resolution" value="1000" units="1/cm"/>
         </inkml:channelProperties>
       </inkml:inkSource>
-      <inkml:timestamp xml:id="ts0" timeString="2025-05-22T08:13:05.755"/>
-    </inkml:context>
-    <inkml:brush xml:id="br0">
-      <inkml:brushProperty name="width" value="0.035" units="cm"/>
-      <inkml:brushProperty name="height" value="0.035" units="cm"/>
-      <inkml:brushProperty name="color" value="#FF0000"/>
-      <inkml:brushProperty name="ignorePressure" value="1"/>
-    </inkml:brush>
-  </inkml:definitions>
-  <inkml:trace contextRef="#ctx0" brushRef="#br0">0 0,'4757'0,"15907"0,-14611 0,-15336 0,9251 0</inkml:trace>
-</inkml:ink>
-</file>
-
-<file path=ppt/ink/ink2.xml><?xml version="1.0" encoding="utf-8"?>
-<inkml:ink xmlns:inkml="http://www.w3.org/2003/InkML">
-  <inkml:definitions>
-    <inkml:context xml:id="ctx0">
-      <inkml:inkSource xml:id="inkSrc0">
-        <inkml:traceFormat>
-          <inkml:channel name="X" type="integer" min="-2.14748E9" max="2.14748E9" units="cm"/>
-          <inkml:channel name="Y" type="integer" min="-2.14748E9" max="2.14748E9" units="cm"/>
-        </inkml:traceFormat>
-        <inkml:channelProperties>
-          <inkml:channelProperty channel="X" name="resolution" value="1000" units="1/cm"/>
-          <inkml:channelProperty channel="Y" name="resolution" value="1000" units="1/cm"/>
-        </inkml:channelProperties>
-      </inkml:inkSource>
       <inkml:timestamp xml:id="ts0" timeString="2025-05-22T08:13:06.399"/>
     </inkml:context>
     <inkml:brush xml:id="br0">
@@ -387,7 +360,7 @@
 </inkml:ink>
 </file>
 
-<file path=ppt/ink/ink3.xml><?xml version="1.0" encoding="utf-8"?>
+<file path=ppt/ink/ink2.xml><?xml version="1.0" encoding="utf-8"?>
 <inkml:ink xmlns:inkml="http://www.w3.org/2003/InkML">
   <inkml:definitions>
     <inkml:context xml:id="ctx0">
@@ -501,7 +474,7 @@
             <a:fld id="{22836CA5-C5A9-496A-AEEC-9D7F83E09475}" type="datetimeFigureOut">
               <a:rPr lang="en-US" smtClean="0"/>
               <a:pPr/>
-              <a:t>5/21/2025</a:t>
+              <a:t>5/23/2025</a:t>
             </a:fld>
             <a:endParaRPr lang="en-US" dirty="0"/>
           </a:p>
@@ -10303,8 +10276,11 @@
           <a:p>
             <a:r>
               <a:rPr lang="fi-FI"/>
-              <a:t>Mistä noki ja tuhka tulee?</a:t>
-            </a:r>
+              <a:t>Yleisluontoinen esitys ongelmasta </a:t>
+            </a:r>
+            <a:br>
+              <a:rPr lang="en-US"/>
+            </a:br>
             <a:endParaRPr lang="en-US"/>
           </a:p>
         </p:txBody>
@@ -10330,10 +10306,6 @@
           <a:bodyPr/>
           <a:lstStyle/>
           <a:p>
-            <a:r>
-              <a:rPr lang="fi-FI"/>
-              <a:t>Yleisluontoinen esitys ongelmasta </a:t>
-            </a:r>
             <a:endParaRPr lang="en-US"/>
           </a:p>
         </p:txBody>
@@ -10354,7 +10326,12 @@
             <p:ph type="body" sz="quarter" idx="10"/>
           </p:nvPr>
         </p:nvSpPr>
-        <p:spPr/>
+        <p:spPr>
+          <a:xfrm>
+            <a:off x="513348" y="1582838"/>
+            <a:ext cx="11155678" cy="4619663"/>
+          </a:xfrm>
+        </p:spPr>
         <p:txBody>
           <a:bodyPr/>
           <a:lstStyle/>
@@ -10369,13 +10346,63 @@
             </a:r>
           </a:p>
           <a:p>
+            <a:pPr marL="742950" lvl="1" indent="-285750">
+              <a:buFont typeface="Arial" panose="020B0604020202020204" pitchFamily="34" charset="0"/>
+              <a:buChar char="•"/>
+            </a:pPr>
+            <a:r>
+              <a:rPr lang="fi-FI" sz="1400"/>
+              <a:t>Hiukkaspäästöt ovat yksi haitallisimmista dieselmoottorin päästöistä.</a:t>
+            </a:r>
+          </a:p>
+          <a:p>
+            <a:pPr marL="742950" lvl="1" indent="-285750">
+              <a:buFont typeface="Arial" panose="020B0604020202020204" pitchFamily="34" charset="0"/>
+              <a:buChar char="•"/>
+            </a:pPr>
+            <a:r>
+              <a:rPr lang="fi-FI" sz="1400"/>
+              <a:t>Lainsäädännöt asettavat rajoja PN/PM-päästöille.</a:t>
+            </a:r>
+          </a:p>
+          <a:p>
+            <a:pPr marL="742950" lvl="1" indent="-285750">
+              <a:buFont typeface="Arial" panose="020B0604020202020204" pitchFamily="34" charset="0"/>
+              <a:buChar char="•"/>
+            </a:pPr>
+            <a:r>
+              <a:rPr lang="fi-FI" sz="1400"/>
+              <a:t>DPF kerää lähes kaikki hiukkaspäästöt (noen ja tuhkan) dieselmoottorin raakapäästöistä.</a:t>
+            </a:r>
+          </a:p>
+          <a:p>
             <a:pPr marL="285750" indent="-285750">
               <a:buFont typeface="Arial" panose="020B0604020202020204" pitchFamily="34" charset="0"/>
               <a:buChar char="•"/>
             </a:pPr>
             <a:r>
               <a:rPr lang="fi-FI"/>
-              <a:t>Miksi DPF:n tila täytyy tuntea?</a:t>
+              <a:t>Mikä on noen ja tuhkan ero?</a:t>
+            </a:r>
+          </a:p>
+          <a:p>
+            <a:pPr marL="742950" lvl="1" indent="-285750">
+              <a:buFont typeface="Arial" panose="020B0604020202020204" pitchFamily="34" charset="0"/>
+              <a:buChar char="•"/>
+            </a:pPr>
+            <a:r>
+              <a:rPr lang="fi-FI" sz="1400"/>
+              <a:t>Noki on ”puhdasta” hiiltä, joka voidaan poistaa suodattimesta hapettamalla sitä hapen tai typpidioksidin avulla.</a:t>
+            </a:r>
+          </a:p>
+          <a:p>
+            <a:pPr marL="742950" lvl="1" indent="-285750">
+              <a:buFont typeface="Arial" panose="020B0604020202020204" pitchFamily="34" charset="0"/>
+              <a:buChar char="•"/>
+            </a:pPr>
+            <a:r>
+              <a:rPr lang="fi-FI" sz="1400"/>
+              <a:t>Tuhka on palamisjäännöstä, joka voidaan poistaa ainoastaan mekaanisesti.</a:t>
             </a:r>
           </a:p>
           <a:p>
@@ -10385,8 +10412,37 @@
             </a:pPr>
             <a:r>
               <a:rPr lang="fi-FI"/>
-              <a:t>Miksi se on vaikeeta?</a:t>
-            </a:r>
+              <a:t>Miksi DPF:n tila täytyy tuntea?</a:t>
+            </a:r>
+          </a:p>
+          <a:p>
+            <a:pPr marL="742950" lvl="1" indent="-285750">
+              <a:buFont typeface="Arial" panose="020B0604020202020204" pitchFamily="34" charset="0"/>
+              <a:buChar char="•"/>
+            </a:pPr>
+            <a:r>
+              <a:rPr lang="fi-FI" sz="1400"/>
+              <a:t>Noen aktiivinen regenerointi halutaan ajoittaa oikein </a:t>
+            </a:r>
+            <a:r>
+              <a:rPr lang="fi-FI" sz="1400">
+                <a:sym typeface="Wingdings" panose="05000000000000000000" pitchFamily="2" charset="2"/>
+              </a:rPr>
+              <a:t> liian myöhään on vaarallista, liian usein kuluttaa polttoainetta ja estää koneen käytön regeneroinnin ajaksi.</a:t>
+            </a:r>
+          </a:p>
+          <a:p>
+            <a:pPr marL="742950" lvl="1" indent="-285750">
+              <a:buFont typeface="Arial" panose="020B0604020202020204" pitchFamily="34" charset="0"/>
+              <a:buChar char="•"/>
+            </a:pPr>
+            <a:r>
+              <a:rPr lang="fi-FI" sz="1400">
+                <a:sym typeface="Wingdings" panose="05000000000000000000" pitchFamily="2" charset="2"/>
+              </a:rPr>
+              <a:t>Väärin arvioitu tuhkan määrä johtaa väärin arvioituun noen määrään  regeneroidaan väärään aikaan.</a:t>
+            </a:r>
+            <a:endParaRPr lang="fi-FI" sz="1400"/>
           </a:p>
           <a:p>
             <a:pPr marL="285750" indent="-285750">
@@ -10395,14 +10451,70 @@
             </a:pPr>
             <a:r>
               <a:rPr lang="fi-FI"/>
-              <a:t>Mikä on noen ja tuhkan ero?</a:t>
-            </a:r>
-          </a:p>
-          <a:p>
-            <a:pPr marL="285750" indent="-285750">
+              <a:t>Miksi se on vaikeaa?</a:t>
+            </a:r>
+          </a:p>
+          <a:p>
+            <a:pPr marL="742950" lvl="1" indent="-285750">
               <a:buFont typeface="Arial" panose="020B0604020202020204" pitchFamily="34" charset="0"/>
               <a:buChar char="•"/>
             </a:pPr>
+            <a:r>
+              <a:rPr lang="fi-FI" sz="1400"/>
+              <a:t>Erilaiset olosuhteet vaikuttavat dieselin palamiseen ja voiteluöljyn kulumiseen </a:t>
+            </a:r>
+            <a:r>
+              <a:rPr lang="fi-FI" sz="1400">
+                <a:sym typeface="Wingdings" panose="05000000000000000000" pitchFamily="2" charset="2"/>
+              </a:rPr>
+              <a:t> </a:t>
+            </a:r>
+            <a:endParaRPr lang="fi-FI" sz="1400"/>
+          </a:p>
+          <a:p>
+            <a:pPr marL="742950" lvl="1" indent="-285750">
+              <a:buFont typeface="Arial" panose="020B0604020202020204" pitchFamily="34" charset="0"/>
+              <a:buChar char="•"/>
+            </a:pPr>
+            <a:r>
+              <a:rPr lang="fi-FI" sz="1400"/>
+              <a:t>Vain painehäviötä voidaan mitata. </a:t>
+            </a:r>
+          </a:p>
+          <a:p>
+            <a:pPr marL="742950" lvl="1" indent="-285750">
+              <a:buFont typeface="Arial" panose="020B0604020202020204" pitchFamily="34" charset="0"/>
+              <a:buChar char="•"/>
+            </a:pPr>
+            <a:r>
+              <a:rPr lang="fi-FI" sz="1400"/>
+              <a:t>Tarkka noki-/tuhkamäärä voidaan selvittää ainoastaan irrottamalla ja punnitsemalla DPF. Tämä ei ole mahdollista kenttäkäyttöisille koneille, ja tulos on staattinen, yhden ajanhetken tulos.</a:t>
+            </a:r>
+          </a:p>
+          <a:p>
+            <a:pPr marL="742950" lvl="1" indent="-285750">
+              <a:buFont typeface="Arial" panose="020B0604020202020204" pitchFamily="34" charset="0"/>
+              <a:buChar char="•"/>
+            </a:pPr>
+            <a:r>
+              <a:rPr lang="fi-FI" sz="1400"/>
+              <a:t>Arvioidaan malleilla </a:t>
+            </a:r>
+            <a:r>
+              <a:rPr lang="fi-FI" sz="1400">
+                <a:sym typeface="Wingdings" panose="05000000000000000000" pitchFamily="2" charset="2"/>
+              </a:rPr>
+              <a:t> epävarmuutta  </a:t>
+            </a:r>
+            <a:r>
+              <a:rPr lang="fi-FI" sz="1400" u="sng">
+                <a:sym typeface="Wingdings" panose="05000000000000000000" pitchFamily="2" charset="2"/>
+              </a:rPr>
+              <a:t>kuinka epävarmaa?</a:t>
+            </a:r>
+            <a:endParaRPr lang="fi-FI" sz="900" u="sng"/>
+          </a:p>
+          <a:p>
             <a:endParaRPr lang="en-US"/>
           </a:p>
         </p:txBody>
@@ -10547,90 +10659,9 @@
           </a:p>
         </p:txBody>
       </p:sp>
-      <p:pic>
-        <p:nvPicPr>
-          <p:cNvPr id="13" name="Picture 12">
-            <a:extLst>
-              <a:ext uri="{FF2B5EF4-FFF2-40B4-BE49-F238E27FC236}">
-                <a16:creationId xmlns:a16="http://schemas.microsoft.com/office/drawing/2014/main" id="{89C0DDCF-9812-6D1E-0BC7-6DF307FA79A1}"/>
-              </a:ext>
-            </a:extLst>
-          </p:cNvPr>
-          <p:cNvPicPr>
-            <a:picLocks noChangeAspect="1"/>
-          </p:cNvPicPr>
-          <p:nvPr/>
-        </p:nvPicPr>
-        <p:blipFill>
-          <a:blip r:embed="rId2"/>
-          <a:stretch>
-            <a:fillRect/>
-          </a:stretch>
-        </p:blipFill>
-        <p:spPr>
-          <a:xfrm>
-            <a:off x="0" y="1899543"/>
-            <a:ext cx="7858664" cy="3751476"/>
-          </a:xfrm>
-          <a:prstGeom prst="rect">
-            <a:avLst/>
-          </a:prstGeom>
-        </p:spPr>
-      </p:pic>
-      <mc:AlternateContent xmlns:mc="http://schemas.openxmlformats.org/markup-compatibility/2006">
-        <mc:Choice xmlns:p14="http://schemas.microsoft.com/office/powerpoint/2010/main" Requires="p14">
-          <p:contentPart p14:bwMode="auto" r:id="rId3">
-            <p14:nvContentPartPr>
-              <p14:cNvPr id="19" name="Ink 18">
-                <a:extLst>
-                  <a:ext uri="{FF2B5EF4-FFF2-40B4-BE49-F238E27FC236}">
-                    <a16:creationId xmlns:a16="http://schemas.microsoft.com/office/drawing/2014/main" id="{921B4D47-7ADC-22B5-EE50-8A7801DA673C}"/>
-                  </a:ext>
-                </a:extLst>
-              </p14:cNvPr>
-              <p14:cNvContentPartPr/>
-              <p14:nvPr/>
-            </p14:nvContentPartPr>
-            <p14:xfrm>
-              <a:off x="138024" y="3982817"/>
-              <a:ext cx="11330796" cy="360"/>
-            </p14:xfrm>
-          </p:contentPart>
-        </mc:Choice>
-        <mc:Fallback>
-          <p:pic>
-            <p:nvPicPr>
-              <p:cNvPr id="19" name="Ink 18">
-                <a:extLst>
-                  <a:ext uri="{FF2B5EF4-FFF2-40B4-BE49-F238E27FC236}">
-                    <a16:creationId xmlns:a16="http://schemas.microsoft.com/office/drawing/2014/main" id="{921B4D47-7ADC-22B5-EE50-8A7801DA673C}"/>
-                  </a:ext>
-                </a:extLst>
-              </p:cNvPr>
-              <p:cNvPicPr/>
-              <p:nvPr/>
-            </p:nvPicPr>
-            <p:blipFill>
-              <a:blip r:embed="rId4"/>
-              <a:stretch>
-                <a:fillRect/>
-              </a:stretch>
-            </p:blipFill>
-            <p:spPr>
-              <a:xfrm>
-                <a:off x="131904" y="3976697"/>
-                <a:ext cx="11343036" cy="12600"/>
-              </a:xfrm>
-              <a:prstGeom prst="rect">
-                <a:avLst/>
-              </a:prstGeom>
-            </p:spPr>
-          </p:pic>
-        </mc:Fallback>
-      </mc:AlternateContent>
-      <mc:AlternateContent xmlns:mc="http://schemas.openxmlformats.org/markup-compatibility/2006">
-        <mc:Choice xmlns:p14="http://schemas.microsoft.com/office/powerpoint/2010/main" Requires="p14">
-          <p:contentPart p14:bwMode="auto" r:id="rId5">
+      <mc:AlternateContent xmlns:mc="http://schemas.openxmlformats.org/markup-compatibility/2006" xmlns:p14="http://schemas.microsoft.com/office/powerpoint/2010/main">
+        <mc:Choice Requires="p14">
+          <p:contentPart p14:bwMode="auto" r:id="rId2">
             <p14:nvContentPartPr>
               <p14:cNvPr id="20" name="Ink 19">
                 <a:extLst>
@@ -10648,7 +10679,7 @@
             </p14:xfrm>
           </p:contentPart>
         </mc:Choice>
-        <mc:Fallback>
+        <mc:Fallback xmlns="">
           <p:pic>
             <p:nvPicPr>
               <p:cNvPr id="20" name="Ink 19">
@@ -10679,8 +10710,8 @@
           </p:pic>
         </mc:Fallback>
       </mc:AlternateContent>
-      <mc:AlternateContent xmlns:mc="http://schemas.openxmlformats.org/markup-compatibility/2006">
-        <mc:Choice xmlns:p14="http://schemas.microsoft.com/office/powerpoint/2010/main" Requires="p14">
+      <mc:AlternateContent xmlns:mc="http://schemas.openxmlformats.org/markup-compatibility/2006" xmlns:p14="http://schemas.microsoft.com/office/powerpoint/2010/main">
+        <mc:Choice Requires="p14">
           <p:contentPart p14:bwMode="auto" r:id="rId7">
             <p14:nvContentPartPr>
               <p14:cNvPr id="21" name="Ink 20">
@@ -10699,7 +10730,7 @@
             </p14:xfrm>
           </p:contentPart>
         </mc:Choice>
-        <mc:Fallback>
+        <mc:Fallback xmlns="">
           <p:pic>
             <p:nvPicPr>
               <p:cNvPr id="21" name="Ink 20">
@@ -10744,7 +10775,7 @@
         </p:nvSpPr>
         <p:spPr>
           <a:xfrm>
-            <a:off x="9312007" y="3232525"/>
+            <a:off x="9312007" y="2943971"/>
             <a:ext cx="1939226" cy="646331"/>
           </a:xfrm>
           <a:prstGeom prst="rect">
@@ -10780,7 +10811,7 @@
         </p:nvSpPr>
         <p:spPr>
           <a:xfrm>
-            <a:off x="9312007" y="4191099"/>
+            <a:off x="9312007" y="5149900"/>
             <a:ext cx="2548697" cy="369332"/>
           </a:xfrm>
           <a:prstGeom prst="rect">
@@ -10802,6 +10833,35 @@
           </a:p>
         </p:txBody>
       </p:sp>
+      <p:pic>
+        <p:nvPicPr>
+          <p:cNvPr id="10" name="Picture 9">
+            <a:extLst>
+              <a:ext uri="{FF2B5EF4-FFF2-40B4-BE49-F238E27FC236}">
+                <a16:creationId xmlns:a16="http://schemas.microsoft.com/office/drawing/2014/main" id="{9F67CCC6-11D6-38B5-604D-87DCEEF256D6}"/>
+              </a:ext>
+            </a:extLst>
+          </p:cNvPr>
+          <p:cNvPicPr>
+            <a:picLocks noChangeAspect="1"/>
+          </p:cNvPicPr>
+          <p:nvPr/>
+        </p:nvPicPr>
+        <p:blipFill>
+          <a:blip r:embed="rId8"/>
+          <a:srcRect l="220" r="220"/>
+          <a:stretch/>
+        </p:blipFill>
+        <p:spPr>
+          <a:xfrm>
+            <a:off x="1521" y="1879411"/>
+            <a:ext cx="8989572" cy="4265851"/>
+          </a:xfrm>
+          <a:prstGeom prst="rect">
+            <a:avLst/>
+          </a:prstGeom>
+        </p:spPr>
+      </p:pic>
     </p:spTree>
     <p:extLst>
       <p:ext uri="{BB962C8B-B14F-4D97-AF65-F5344CB8AC3E}">
@@ -11030,8 +11090,8 @@
           </a:p>
         </p:txBody>
       </p:sp>
-      <mc:AlternateContent xmlns:mc="http://schemas.openxmlformats.org/markup-compatibility/2006">
-        <mc:Choice xmlns:a14="http://schemas.microsoft.com/office/drawing/2010/main" Requires="a14">
+      <mc:AlternateContent xmlns:mc="http://schemas.openxmlformats.org/markup-compatibility/2006" xmlns:a14="http://schemas.microsoft.com/office/drawing/2010/main">
+        <mc:Choice Requires="a14">
           <p:sp>
             <p:nvSpPr>
               <p:cNvPr id="7" name="TextBox 6">
@@ -11232,7 +11292,7 @@
             </p:txBody>
           </p:sp>
         </mc:Choice>
-        <mc:Fallback>
+        <mc:Fallback xmlns="">
           <p:sp>
             <p:nvSpPr>
               <p:cNvPr id="7" name="TextBox 6">
@@ -11277,8 +11337,8 @@
           </p:sp>
         </mc:Fallback>
       </mc:AlternateContent>
-      <mc:AlternateContent xmlns:mc="http://schemas.openxmlformats.org/markup-compatibility/2006">
-        <mc:Choice xmlns:a14="http://schemas.microsoft.com/office/drawing/2010/main" Requires="a14">
+      <mc:AlternateContent xmlns:mc="http://schemas.openxmlformats.org/markup-compatibility/2006" xmlns:a14="http://schemas.microsoft.com/office/drawing/2010/main">
+        <mc:Choice Requires="a14">
           <p:sp>
             <p:nvSpPr>
               <p:cNvPr id="9" name="TextBox 8">
@@ -11479,7 +11539,7 @@
             </p:txBody>
           </p:sp>
         </mc:Choice>
-        <mc:Fallback>
+        <mc:Fallback xmlns="">
           <p:sp>
             <p:nvSpPr>
               <p:cNvPr id="9" name="TextBox 8">
@@ -11524,8 +11584,8 @@
           </p:sp>
         </mc:Fallback>
       </mc:AlternateContent>
-      <mc:AlternateContent xmlns:mc="http://schemas.openxmlformats.org/markup-compatibility/2006">
-        <mc:Choice xmlns:a14="http://schemas.microsoft.com/office/drawing/2010/main" Requires="a14">
+      <mc:AlternateContent xmlns:mc="http://schemas.openxmlformats.org/markup-compatibility/2006" xmlns:a14="http://schemas.microsoft.com/office/drawing/2010/main">
+        <mc:Choice Requires="a14">
           <p:sp>
             <p:nvSpPr>
               <p:cNvPr id="12" name="TextBox 11">
@@ -12048,7 +12108,7 @@
             </p:txBody>
           </p:sp>
         </mc:Choice>
-        <mc:Fallback>
+        <mc:Fallback xmlns="">
           <p:sp>
             <p:nvSpPr>
               <p:cNvPr id="12" name="TextBox 11">
@@ -12309,8 +12369,8 @@
           </a:p>
         </p:txBody>
       </p:sp>
-      <mc:AlternateContent xmlns:mc="http://schemas.openxmlformats.org/markup-compatibility/2006">
-        <mc:Choice xmlns:a14="http://schemas.microsoft.com/office/drawing/2010/main" Requires="a14">
+      <mc:AlternateContent xmlns:mc="http://schemas.openxmlformats.org/markup-compatibility/2006" xmlns:a14="http://schemas.microsoft.com/office/drawing/2010/main">
+        <mc:Choice Requires="a14">
           <p:sp>
             <p:nvSpPr>
               <p:cNvPr id="11" name="TextBox 10">
@@ -12522,7 +12582,7 @@
             </p:txBody>
           </p:sp>
         </mc:Choice>
-        <mc:Fallback>
+        <mc:Fallback xmlns="">
           <p:sp>
             <p:nvSpPr>
               <p:cNvPr id="11" name="TextBox 10">
@@ -12567,8 +12627,8 @@
           </p:sp>
         </mc:Fallback>
       </mc:AlternateContent>
-      <mc:AlternateContent xmlns:mc="http://schemas.openxmlformats.org/markup-compatibility/2006">
-        <mc:Choice xmlns:a14="http://schemas.microsoft.com/office/drawing/2010/main" Requires="a14">
+      <mc:AlternateContent xmlns:mc="http://schemas.openxmlformats.org/markup-compatibility/2006" xmlns:a14="http://schemas.microsoft.com/office/drawing/2010/main">
+        <mc:Choice Requires="a14">
           <p:sp>
             <p:nvSpPr>
               <p:cNvPr id="13" name="TextBox 12">
@@ -12795,7 +12855,7 @@
             </p:txBody>
           </p:sp>
         </mc:Choice>
-        <mc:Fallback>
+        <mc:Fallback xmlns="">
           <p:sp>
             <p:nvSpPr>
               <p:cNvPr id="13" name="TextBox 12">
@@ -12856,7 +12916,7 @@
             </p:nvSpPr>
             <p:spPr>
               <a:xfrm>
-                <a:off x="3049438" y="3311855"/>
+                <a:off x="3049438" y="3653552"/>
                 <a:ext cx="6094562" cy="392672"/>
               </a:xfrm>
               <a:prstGeom prst="rect">
@@ -13249,7 +13309,7 @@
             </p:nvSpPr>
             <p:spPr>
               <a:xfrm>
-                <a:off x="3049438" y="3311855"/>
+                <a:off x="3049438" y="3653552"/>
                 <a:ext cx="6094562" cy="392672"/>
               </a:xfrm>
               <a:prstGeom prst="rect">

--- a/Tutkimuskysymysesittely.pptx
+++ b/Tutkimuskysymysesittely.pptx
@@ -242,7 +242,7 @@
               <a:rPr lang="en-CA" smtClean="0">
                 <a:latin typeface="Tilda Sans Medium" panose="020B0502020204020303" pitchFamily="34" charset="0"/>
               </a:rPr>
-              <a:t>2025-05-23</a:t>
+              <a:t>2025-06-02</a:t>
             </a:fld>
             <a:endParaRPr lang="en-CA" dirty="0">
               <a:latin typeface="Tilda Sans Medium" panose="020B0502020204020303" pitchFamily="34" charset="0"/>
@@ -474,7 +474,7 @@
             <a:fld id="{22836CA5-C5A9-496A-AEEC-9D7F83E09475}" type="datetimeFigureOut">
               <a:rPr lang="en-US" smtClean="0"/>
               <a:pPr/>
-              <a:t>5/23/2025</a:t>
+              <a:t>6/2/25</a:t>
             </a:fld>
             <a:endParaRPr lang="en-US" dirty="0"/>
           </a:p>
@@ -10635,7 +10635,7 @@
         <p:spPr>
           <a:xfrm>
             <a:off x="513351" y="1338768"/>
-            <a:ext cx="11155678" cy="1412152"/>
+            <a:ext cx="11155678" cy="646331"/>
           </a:xfrm>
         </p:spPr>
         <p:txBody>
@@ -10643,13 +10643,163 @@
           <a:lstStyle/>
           <a:p>
             <a:pPr marL="0" indent="0">
+              <a:lnSpc>
+                <a:spcPct val="100000"/>
+              </a:lnSpc>
               <a:buNone/>
             </a:pPr>
             <a:r>
-              <a:rPr lang="pt-BR"/>
-              <a:t>Työssä tarkasteltava systeemi lohkokaavioesityksenä. Estimaattoriin sisäänmenevien satunnaismuuttuja-inputien jakaumat oletetaan työssä tunnetuiksi, mutta niiden vaikutusta estimaattorin ulostulojen jakaumiin halutaan selvittää.</a:t>
-            </a:r>
-            <a:endParaRPr lang="pt-BR" dirty="0"/>
+              <a:rPr lang="pt-BR" dirty="0" err="1"/>
+              <a:t>Työssä</a:t>
+            </a:r>
+            <a:r>
+              <a:rPr lang="pt-BR" dirty="0"/>
+              <a:t> </a:t>
+            </a:r>
+            <a:r>
+              <a:rPr lang="pt-BR" dirty="0" err="1"/>
+              <a:t>tarkasteltava</a:t>
+            </a:r>
+            <a:r>
+              <a:rPr lang="pt-BR" dirty="0"/>
+              <a:t> </a:t>
+            </a:r>
+            <a:r>
+              <a:rPr lang="pt-BR" dirty="0" err="1"/>
+              <a:t>systeemi</a:t>
+            </a:r>
+            <a:r>
+              <a:rPr lang="pt-BR" dirty="0"/>
+              <a:t> </a:t>
+            </a:r>
+            <a:r>
+              <a:rPr lang="pt-BR" dirty="0" err="1"/>
+              <a:t>lohkokaavioesityksenä</a:t>
+            </a:r>
+            <a:r>
+              <a:rPr lang="pt-BR" dirty="0"/>
+              <a:t>. </a:t>
+            </a:r>
+            <a:r>
+              <a:rPr lang="pt-BR" dirty="0" err="1"/>
+              <a:t>Estimaattoriin</a:t>
+            </a:r>
+            <a:r>
+              <a:rPr lang="pt-BR" dirty="0"/>
+              <a:t> </a:t>
+            </a:r>
+            <a:r>
+              <a:rPr lang="pt-BR" dirty="0" err="1"/>
+              <a:t>sisäänmenevien</a:t>
+            </a:r>
+            <a:r>
+              <a:rPr lang="pt-BR" dirty="0"/>
+              <a:t> </a:t>
+            </a:r>
+            <a:r>
+              <a:rPr lang="pt-BR" dirty="0" err="1"/>
+              <a:t>satunnaismuuttuja-inputien</a:t>
+            </a:r>
+            <a:r>
+              <a:rPr lang="pt-BR" dirty="0"/>
+              <a:t> </a:t>
+            </a:r>
+            <a:r>
+              <a:rPr lang="pt-BR" dirty="0" err="1"/>
+              <a:t>jakaumat</a:t>
+            </a:r>
+            <a:r>
+              <a:rPr lang="pt-BR" dirty="0"/>
+              <a:t> </a:t>
+            </a:r>
+            <a:r>
+              <a:rPr lang="pt-BR" dirty="0" err="1"/>
+              <a:t>oletetaan</a:t>
+            </a:r>
+            <a:r>
+              <a:rPr lang="pt-BR" dirty="0"/>
+              <a:t> </a:t>
+            </a:r>
+            <a:r>
+              <a:rPr lang="pt-BR" dirty="0" err="1"/>
+              <a:t>työssä</a:t>
+            </a:r>
+            <a:r>
+              <a:rPr lang="pt-BR" dirty="0"/>
+              <a:t> </a:t>
+            </a:r>
+            <a:r>
+              <a:rPr lang="pt-BR" dirty="0" err="1"/>
+              <a:t>tunnetuiksi</a:t>
+            </a:r>
+            <a:r>
+              <a:rPr lang="pt-BR" dirty="0"/>
+              <a:t>, </a:t>
+            </a:r>
+            <a:r>
+              <a:rPr lang="pt-BR" dirty="0" err="1"/>
+              <a:t>mutta</a:t>
+            </a:r>
+            <a:r>
+              <a:rPr lang="pt-BR" dirty="0"/>
+              <a:t> </a:t>
+            </a:r>
+            <a:r>
+              <a:rPr lang="pt-BR" dirty="0" err="1"/>
+              <a:t>niiden</a:t>
+            </a:r>
+            <a:r>
+              <a:rPr lang="pt-BR" dirty="0"/>
+              <a:t> </a:t>
+            </a:r>
+            <a:r>
+              <a:rPr lang="pt-BR" dirty="0" err="1"/>
+              <a:t>vaikutusta</a:t>
+            </a:r>
+            <a:r>
+              <a:rPr lang="pt-BR" dirty="0"/>
+              <a:t> </a:t>
+            </a:r>
+            <a:r>
+              <a:rPr lang="pt-BR" dirty="0" err="1"/>
+              <a:t>estimaattorin</a:t>
+            </a:r>
+            <a:r>
+              <a:rPr lang="pt-BR" dirty="0"/>
+              <a:t> </a:t>
+            </a:r>
+            <a:r>
+              <a:rPr lang="pt-BR" dirty="0" err="1"/>
+              <a:t>ulostulojen</a:t>
+            </a:r>
+            <a:r>
+              <a:rPr lang="pt-BR" dirty="0"/>
+              <a:t> </a:t>
+            </a:r>
+            <a:r>
+              <a:rPr lang="pt-BR" dirty="0" err="1"/>
+              <a:t>jakaumiin</a:t>
+            </a:r>
+            <a:r>
+              <a:rPr lang="pt-BR" dirty="0"/>
+              <a:t> </a:t>
+            </a:r>
+            <a:r>
+              <a:rPr lang="pt-BR" dirty="0" err="1"/>
+              <a:t>halutaan</a:t>
+            </a:r>
+            <a:r>
+              <a:rPr lang="pt-BR" dirty="0"/>
+              <a:t> </a:t>
+            </a:r>
+            <a:r>
+              <a:rPr lang="pt-BR" dirty="0" err="1"/>
+              <a:t>selvittää</a:t>
+            </a:r>
+            <a:r>
+              <a:rPr lang="pt-BR" dirty="0"/>
+              <a:t>.</a:t>
+            </a:r>
           </a:p>
           <a:p>
             <a:pPr marL="0" indent="0">
@@ -10835,10 +10985,10 @@
       </p:sp>
       <p:pic>
         <p:nvPicPr>
-          <p:cNvPr id="10" name="Picture 9">
+          <p:cNvPr id="7" name="Picture 6">
             <a:extLst>
               <a:ext uri="{FF2B5EF4-FFF2-40B4-BE49-F238E27FC236}">
-                <a16:creationId xmlns:a16="http://schemas.microsoft.com/office/drawing/2014/main" id="{9F67CCC6-11D6-38B5-604D-87DCEEF256D6}"/>
+                <a16:creationId xmlns:a16="http://schemas.microsoft.com/office/drawing/2014/main" id="{E7E8B6B3-90B1-632F-C6FF-B177EEA9EFC4}"/>
               </a:ext>
             </a:extLst>
           </p:cNvPr>
@@ -10849,13 +10999,14 @@
         </p:nvPicPr>
         <p:blipFill>
           <a:blip r:embed="rId8"/>
-          <a:srcRect l="220" r="220"/>
-          <a:stretch/>
+          <a:stretch>
+            <a:fillRect/>
+          </a:stretch>
         </p:blipFill>
         <p:spPr>
           <a:xfrm>
-            <a:off x="1521" y="1879411"/>
-            <a:ext cx="8989572" cy="4265851"/>
+            <a:off x="0" y="1905405"/>
+            <a:ext cx="8921768" cy="4213863"/>
           </a:xfrm>
           <a:prstGeom prst="rect">
             <a:avLst/>
@@ -12271,106 +12422,538 @@
           </a:p>
         </p:txBody>
       </p:sp>
-      <p:sp>
-        <p:nvSpPr>
-          <p:cNvPr id="5" name="Text Placeholder 4">
-            <a:extLst>
-              <a:ext uri="{FF2B5EF4-FFF2-40B4-BE49-F238E27FC236}">
-                <a16:creationId xmlns:a16="http://schemas.microsoft.com/office/drawing/2014/main" id="{249C1D04-69E9-2BF6-7273-0B17C640B07B}"/>
-              </a:ext>
-            </a:extLst>
-          </p:cNvPr>
-          <p:cNvSpPr>
-            <a:spLocks noGrp="1"/>
-          </p:cNvSpPr>
-          <p:nvPr>
-            <p:ph type="body" sz="quarter" idx="10"/>
-          </p:nvPr>
-        </p:nvSpPr>
-        <p:spPr/>
-        <p:txBody>
-          <a:bodyPr/>
-          <a:lstStyle/>
-          <a:p>
-            <a:pPr marL="285750" indent="-285750">
-              <a:buFont typeface="Arial" panose="020B0604020202020204" pitchFamily="34" charset="0"/>
-              <a:buChar char="•"/>
-            </a:pPr>
-            <a:r>
-              <a:rPr lang="fi-FI"/>
-              <a:t>Noen ja tuhkan kertymistä, sekä noen regeneroitumista arvioidaan mallipohjaisesti.</a:t>
-            </a:r>
-          </a:p>
-          <a:p>
-            <a:pPr marL="285750" indent="-285750">
-              <a:buFont typeface="Arial" panose="020B0604020202020204" pitchFamily="34" charset="0"/>
-              <a:buChar char="•"/>
-            </a:pPr>
-            <a:endParaRPr lang="fi-FI"/>
-          </a:p>
-          <a:p>
-            <a:endParaRPr lang="fi-FI"/>
-          </a:p>
-          <a:p>
-            <a:endParaRPr lang="en-US"/>
-          </a:p>
-          <a:p>
-            <a:pPr marL="285750" indent="-285750">
-              <a:buFont typeface="Arial" panose="020B0604020202020204" pitchFamily="34" charset="0"/>
-              <a:buChar char="•"/>
-            </a:pPr>
-            <a:r>
-              <a:rPr lang="en-US">
-                <a:solidFill>
-                  <a:srgbClr val="FF0000"/>
-                </a:solidFill>
-              </a:rPr>
-              <a:t>Selitteet</a:t>
-            </a:r>
-          </a:p>
-          <a:p>
-            <a:pPr marL="285750" indent="-285750">
-              <a:buFont typeface="Arial" panose="020B0604020202020204" pitchFamily="34" charset="0"/>
-              <a:buChar char="•"/>
-            </a:pPr>
-            <a:r>
-              <a:rPr lang="en-US"/>
-              <a:t>DPF:n yli mitataan painehäviö. Painehäviölle on malli, joka jakaa kokonaispainehäviön puhtaan suodattimen, noen ja tuhkan vaikutusten mukaan osiin.</a:t>
-            </a:r>
-          </a:p>
-          <a:p>
-            <a:pPr marL="285750" indent="-285750">
-              <a:buFont typeface="Arial" panose="020B0604020202020204" pitchFamily="34" charset="0"/>
-              <a:buChar char="•"/>
-            </a:pPr>
-            <a:endParaRPr lang="en-US"/>
-          </a:p>
-          <a:p>
-            <a:pPr marL="285750" indent="-285750">
-              <a:buFont typeface="Arial" panose="020B0604020202020204" pitchFamily="34" charset="0"/>
-              <a:buChar char="•"/>
-            </a:pPr>
-            <a:endParaRPr lang="en-US"/>
-          </a:p>
-          <a:p>
-            <a:pPr marL="285750" indent="-285750">
-              <a:buFont typeface="Arial" panose="020B0604020202020204" pitchFamily="34" charset="0"/>
-              <a:buChar char="•"/>
-            </a:pPr>
-            <a:r>
-              <a:rPr lang="en-US"/>
-              <a:t>Partikkelien massataseyhtälöt toimivat estimaattorin tilanyhtälöinä ja painehäviömalli mittausyhtälönä</a:t>
-            </a:r>
-            <a:r>
-              <a:rPr lang="fi-FI"/>
-              <a:t>.</a:t>
-            </a:r>
-            <a:endParaRPr lang="en-US"/>
-          </a:p>
-        </p:txBody>
-      </p:sp>
-      <mc:AlternateContent xmlns:mc="http://schemas.openxmlformats.org/markup-compatibility/2006" xmlns:a14="http://schemas.microsoft.com/office/drawing/2010/main">
-        <mc:Choice Requires="a14">
+      <mc:AlternateContent xmlns:mc="http://schemas.openxmlformats.org/markup-compatibility/2006">
+        <mc:Choice xmlns:a14="http://schemas.microsoft.com/office/drawing/2010/main" Requires="a14">
+          <p:sp>
+            <p:nvSpPr>
+              <p:cNvPr id="5" name="Text Placeholder 4">
+                <a:extLst>
+                  <a:ext uri="{FF2B5EF4-FFF2-40B4-BE49-F238E27FC236}">
+                    <a16:creationId xmlns:a16="http://schemas.microsoft.com/office/drawing/2014/main" id="{249C1D04-69E9-2BF6-7273-0B17C640B07B}"/>
+                  </a:ext>
+                </a:extLst>
+              </p:cNvPr>
+              <p:cNvSpPr>
+                <a:spLocks noGrp="1"/>
+              </p:cNvSpPr>
+              <p:nvPr>
+                <p:ph type="body" sz="quarter" idx="10"/>
+              </p:nvPr>
+            </p:nvSpPr>
+            <p:spPr>
+              <a:xfrm>
+                <a:off x="513348" y="1582839"/>
+                <a:ext cx="11155678" cy="1093454"/>
+              </a:xfrm>
+            </p:spPr>
+            <p:txBody>
+              <a:bodyPr/>
+              <a:lstStyle/>
+              <a:p>
+                <a:pPr marL="285750" indent="-285750">
+                  <a:lnSpc>
+                    <a:spcPct val="100000"/>
+                  </a:lnSpc>
+                  <a:buFont typeface="Arial" panose="020B0604020202020204" pitchFamily="34" charset="0"/>
+                  <a:buChar char="•"/>
+                </a:pPr>
+                <a:r>
+                  <a:rPr lang="fi-FI" dirty="0"/>
+                  <a:t>Noen ja tuhkan kertymistä, sekä noen regeneroitumista arvioidaan mallipohjaisesti.</a:t>
+                </a:r>
+              </a:p>
+              <a:p>
+                <a:pPr marL="285750" indent="-285750">
+                  <a:lnSpc>
+                    <a:spcPct val="100000"/>
+                  </a:lnSpc>
+                  <a:buFont typeface="Arial" panose="020B0604020202020204" pitchFamily="34" charset="0"/>
+                  <a:buChar char="•"/>
+                </a:pPr>
+                <a:endParaRPr lang="fi-FI" dirty="0"/>
+              </a:p>
+              <a:p>
+                <a:pPr>
+                  <a:lnSpc>
+                    <a:spcPct val="100000"/>
+                  </a:lnSpc>
+                </a:pPr>
+                <a:endParaRPr lang="fi-FI" dirty="0"/>
+              </a:p>
+              <a:p>
+                <a:pPr>
+                  <a:lnSpc>
+                    <a:spcPct val="100000"/>
+                  </a:lnSpc>
+                </a:pPr>
+                <a:endParaRPr lang="en-US" dirty="0"/>
+              </a:p>
+              <a:p>
+                <a:pPr marL="285750" indent="-285750">
+                  <a:lnSpc>
+                    <a:spcPct val="100000"/>
+                  </a:lnSpc>
+                  <a:buFont typeface="Arial" panose="020B0604020202020204" pitchFamily="34" charset="0"/>
+                  <a:buChar char="•"/>
+                </a:pPr>
+                <a:r>
+                  <a:rPr lang="en-US" i="1" dirty="0" err="1"/>
+                  <a:t>m</a:t>
+                </a:r>
+                <a:r>
+                  <a:rPr lang="en-US" i="1" baseline="-25000" dirty="0" err="1"/>
+                  <a:t>soot</a:t>
+                </a:r>
+                <a:r>
+                  <a:rPr lang="en-US" i="1" baseline="-25000" dirty="0"/>
+                  <a:t>, in</a:t>
+                </a:r>
+                <a:r>
+                  <a:rPr lang="en-US" i="1" dirty="0"/>
+                  <a:t> </a:t>
+                </a:r>
+                <a:r>
+                  <a:rPr lang="en-US" dirty="0"/>
+                  <a:t>ja </a:t>
+                </a:r>
+                <a:r>
+                  <a:rPr lang="en-US" i="1" dirty="0"/>
+                  <a:t>m</a:t>
+                </a:r>
+                <a:r>
+                  <a:rPr lang="en-US" i="1" baseline="-25000" dirty="0"/>
+                  <a:t>ash, in</a:t>
+                </a:r>
+                <a:r>
+                  <a:rPr lang="en-US" i="1" dirty="0"/>
+                  <a:t> </a:t>
+                </a:r>
+                <a:r>
+                  <a:rPr lang="en-US" dirty="0" err="1"/>
+                  <a:t>ovat</a:t>
+                </a:r>
+                <a:r>
+                  <a:rPr lang="en-US" dirty="0"/>
+                  <a:t> </a:t>
+                </a:r>
+                <a:r>
+                  <a:rPr lang="en-US" dirty="0" err="1"/>
+                  <a:t>DPF:ään</a:t>
+                </a:r>
+                <a:r>
+                  <a:rPr lang="en-US" dirty="0"/>
+                  <a:t> </a:t>
+                </a:r>
+                <a:r>
+                  <a:rPr lang="en-US" dirty="0" err="1"/>
+                  <a:t>kertyneiden</a:t>
+                </a:r>
+                <a:r>
+                  <a:rPr lang="en-US" dirty="0"/>
+                  <a:t> </a:t>
+                </a:r>
+                <a:r>
+                  <a:rPr lang="en-US" dirty="0" err="1"/>
+                  <a:t>noen</a:t>
+                </a:r>
+                <a:r>
+                  <a:rPr lang="en-US" dirty="0"/>
+                  <a:t> ja </a:t>
+                </a:r>
+                <a:r>
+                  <a:rPr lang="en-US" dirty="0" err="1"/>
+                  <a:t>tuhkan</a:t>
+                </a:r>
+                <a:r>
+                  <a:rPr lang="en-US" dirty="0"/>
+                  <a:t> </a:t>
+                </a:r>
+                <a:r>
+                  <a:rPr lang="en-US" dirty="0" err="1"/>
+                  <a:t>määrät</a:t>
+                </a:r>
+                <a:r>
+                  <a:rPr lang="en-US" dirty="0"/>
+                  <a:t>, </a:t>
+                </a:r>
+                <a14:m>
+                  <m:oMath xmlns:m="http://schemas.openxmlformats.org/officeDocument/2006/math">
+                    <m:sSub>
+                      <m:sSubPr>
+                        <m:ctrlPr>
+                          <a:rPr lang="en-FI" i="1"/>
+                        </m:ctrlPr>
+                      </m:sSubPr>
+                      <m:e>
+                        <m:r>
+                          <m:rPr>
+                            <m:sty m:val="p"/>
+                          </m:rPr>
+                          <a:rPr lang="en-FI"/>
+                          <m:t>ω</m:t>
+                        </m:r>
+                      </m:e>
+                      <m:sub>
+                        <m:r>
+                          <a:rPr lang="en-FI" i="1"/>
+                          <m:t>𝑠𝑜𝑜𝑡</m:t>
+                        </m:r>
+                      </m:sub>
+                    </m:sSub>
+                  </m:oMath>
+                </a14:m>
+                <a:r>
+                  <a:rPr lang="en-FI" dirty="0"/>
+                  <a:t> </a:t>
+                </a:r>
+                <a:r>
+                  <a:rPr lang="en-US" dirty="0"/>
+                  <a:t>on </a:t>
+                </a:r>
+                <a:r>
+                  <a:rPr lang="en-US" dirty="0" err="1"/>
+                  <a:t>sisääntulevan</a:t>
+                </a:r>
+                <a:r>
+                  <a:rPr lang="en-US" dirty="0"/>
+                  <a:t> </a:t>
+                </a:r>
+                <a:r>
+                  <a:rPr lang="en-US" dirty="0" err="1"/>
+                  <a:t>nokilatausestimaatin</a:t>
+                </a:r>
+                <a:r>
+                  <a:rPr lang="en-US" dirty="0"/>
+                  <a:t> </a:t>
+                </a:r>
+                <a:r>
+                  <a:rPr lang="en-US" dirty="0" err="1"/>
+                  <a:t>normaalijakautunut</a:t>
+                </a:r>
+                <a:r>
+                  <a:rPr lang="en-US" dirty="0"/>
+                  <a:t> </a:t>
+                </a:r>
+                <a:r>
+                  <a:rPr lang="en-US" dirty="0" err="1"/>
+                  <a:t>virhe</a:t>
+                </a:r>
+                <a:r>
+                  <a:rPr lang="en-US" dirty="0"/>
+                  <a:t>, ja </a:t>
+                </a:r>
+                <a14:m>
+                  <m:oMath xmlns:m="http://schemas.openxmlformats.org/officeDocument/2006/math">
+                    <m:sSub>
+                      <m:sSubPr>
+                        <m:ctrlPr>
+                          <a:rPr lang="en-FI" i="1"/>
+                        </m:ctrlPr>
+                      </m:sSubPr>
+                      <m:e>
+                        <m:r>
+                          <m:rPr>
+                            <m:sty m:val="p"/>
+                          </m:rPr>
+                          <a:rPr lang="en-FI"/>
+                          <m:t>ω</m:t>
+                        </m:r>
+                      </m:e>
+                      <m:sub>
+                        <m:r>
+                          <a:rPr lang="en-FI" i="1"/>
+                          <m:t>𝑎𝑠h</m:t>
+                        </m:r>
+                      </m:sub>
+                    </m:sSub>
+                  </m:oMath>
+                </a14:m>
+                <a:r>
+                  <a:rPr lang="en-FI" dirty="0"/>
+                  <a:t> on sisääntulevan tuhkalatausestimaatin </a:t>
+                </a:r>
+                <a:r>
+                  <a:rPr lang="en-FI" b="1" dirty="0"/>
+                  <a:t>systemaattinen</a:t>
+                </a:r>
+                <a:r>
+                  <a:rPr lang="en-FI" dirty="0"/>
+                  <a:t> virhe (kerääntyy).</a:t>
+                </a:r>
+                <a:endParaRPr lang="en-US" dirty="0"/>
+              </a:p>
+              <a:p>
+                <a:pPr marL="285750" indent="-285750">
+                  <a:lnSpc>
+                    <a:spcPct val="100000"/>
+                  </a:lnSpc>
+                  <a:buFont typeface="Arial" panose="020B0604020202020204" pitchFamily="34" charset="0"/>
+                  <a:buChar char="•"/>
+                </a:pPr>
+                <a:r>
+                  <a:rPr lang="en-US" dirty="0" err="1"/>
+                  <a:t>DPF:n</a:t>
+                </a:r>
+                <a:r>
+                  <a:rPr lang="en-US" dirty="0"/>
+                  <a:t> </a:t>
+                </a:r>
+                <a:r>
+                  <a:rPr lang="en-US" dirty="0" err="1"/>
+                  <a:t>yli</a:t>
+                </a:r>
+                <a:r>
+                  <a:rPr lang="en-US" dirty="0"/>
+                  <a:t> </a:t>
+                </a:r>
+                <a:r>
+                  <a:rPr lang="en-US" dirty="0" err="1"/>
+                  <a:t>mitataan</a:t>
+                </a:r>
+                <a:r>
+                  <a:rPr lang="en-US" dirty="0"/>
+                  <a:t> </a:t>
+                </a:r>
+                <a:r>
+                  <a:rPr lang="en-US" dirty="0" err="1"/>
+                  <a:t>painehäviö</a:t>
+                </a:r>
+                <a:r>
+                  <a:rPr lang="en-US" dirty="0"/>
+                  <a:t>. </a:t>
+                </a:r>
+                <a:r>
+                  <a:rPr lang="en-US" dirty="0" err="1"/>
+                  <a:t>Painehäviölle</a:t>
+                </a:r>
+                <a:r>
+                  <a:rPr lang="en-US" dirty="0"/>
+                  <a:t> on </a:t>
+                </a:r>
+                <a:r>
+                  <a:rPr lang="en-US" dirty="0" err="1"/>
+                  <a:t>malli</a:t>
+                </a:r>
+                <a:r>
+                  <a:rPr lang="en-US" dirty="0"/>
+                  <a:t>, </a:t>
+                </a:r>
+                <a:r>
+                  <a:rPr lang="en-US" dirty="0" err="1"/>
+                  <a:t>joka</a:t>
+                </a:r>
+                <a:r>
+                  <a:rPr lang="en-US" dirty="0"/>
+                  <a:t> </a:t>
+                </a:r>
+                <a:r>
+                  <a:rPr lang="en-US" dirty="0" err="1"/>
+                  <a:t>jakaa</a:t>
+                </a:r>
+                <a:r>
+                  <a:rPr lang="en-US" dirty="0"/>
+                  <a:t> </a:t>
+                </a:r>
+                <a:r>
+                  <a:rPr lang="en-US" dirty="0" err="1"/>
+                  <a:t>kokonaispainehäviön</a:t>
+                </a:r>
+                <a:r>
+                  <a:rPr lang="en-US" dirty="0"/>
+                  <a:t> </a:t>
+                </a:r>
+                <a:r>
+                  <a:rPr lang="en-US" dirty="0" err="1"/>
+                  <a:t>puhtaan</a:t>
+                </a:r>
+                <a:r>
+                  <a:rPr lang="en-US" dirty="0"/>
+                  <a:t> </a:t>
+                </a:r>
+                <a:r>
+                  <a:rPr lang="en-US" dirty="0" err="1"/>
+                  <a:t>suodattimen</a:t>
+                </a:r>
+                <a:r>
+                  <a:rPr lang="en-US" dirty="0"/>
+                  <a:t>, </a:t>
+                </a:r>
+                <a:r>
+                  <a:rPr lang="en-US" dirty="0" err="1"/>
+                  <a:t>noen</a:t>
+                </a:r>
+                <a:r>
+                  <a:rPr lang="en-US" dirty="0"/>
+                  <a:t> ja </a:t>
+                </a:r>
+                <a:r>
+                  <a:rPr lang="en-US" dirty="0" err="1"/>
+                  <a:t>tuhkan</a:t>
+                </a:r>
+                <a:r>
+                  <a:rPr lang="en-US" dirty="0"/>
+                  <a:t> </a:t>
+                </a:r>
+                <a:r>
+                  <a:rPr lang="en-US" dirty="0" err="1"/>
+                  <a:t>vaikutusten</a:t>
+                </a:r>
+                <a:r>
+                  <a:rPr lang="en-US" dirty="0"/>
+                  <a:t> </a:t>
+                </a:r>
+                <a:r>
+                  <a:rPr lang="en-US" dirty="0" err="1"/>
+                  <a:t>mukaan</a:t>
+                </a:r>
+                <a:r>
+                  <a:rPr lang="en-US" dirty="0"/>
+                  <a:t> </a:t>
+                </a:r>
+                <a:r>
+                  <a:rPr lang="en-US" dirty="0" err="1"/>
+                  <a:t>osiin</a:t>
+                </a:r>
+                <a:r>
+                  <a:rPr lang="en-US" dirty="0"/>
+                  <a:t>.</a:t>
+                </a:r>
+              </a:p>
+              <a:p>
+                <a:pPr marL="285750" indent="-285750">
+                  <a:lnSpc>
+                    <a:spcPct val="100000"/>
+                  </a:lnSpc>
+                  <a:buFont typeface="Arial" panose="020B0604020202020204" pitchFamily="34" charset="0"/>
+                  <a:buChar char="•"/>
+                </a:pPr>
+                <a:endParaRPr lang="en-US" dirty="0"/>
+              </a:p>
+              <a:p>
+                <a:pPr marL="285750" indent="-285750">
+                  <a:lnSpc>
+                    <a:spcPct val="100000"/>
+                  </a:lnSpc>
+                  <a:buFont typeface="Arial" panose="020B0604020202020204" pitchFamily="34" charset="0"/>
+                  <a:buChar char="•"/>
+                </a:pPr>
+                <a:endParaRPr lang="en-US" dirty="0"/>
+              </a:p>
+              <a:p>
+                <a:pPr marL="285750" indent="-285750">
+                  <a:lnSpc>
+                    <a:spcPct val="100000"/>
+                  </a:lnSpc>
+                  <a:buFont typeface="Arial" panose="020B0604020202020204" pitchFamily="34" charset="0"/>
+                  <a:buChar char="•"/>
+                </a:pPr>
+                <a:r>
+                  <a:rPr lang="en-US" dirty="0" err="1"/>
+                  <a:t>Partikkelien</a:t>
+                </a:r>
+                <a:r>
+                  <a:rPr lang="en-US" dirty="0"/>
+                  <a:t> </a:t>
+                </a:r>
+                <a:r>
+                  <a:rPr lang="en-US" dirty="0" err="1"/>
+                  <a:t>massataseyhtälöt</a:t>
+                </a:r>
+                <a:r>
+                  <a:rPr lang="en-US" dirty="0"/>
+                  <a:t> </a:t>
+                </a:r>
+                <a:r>
+                  <a:rPr lang="en-US" dirty="0" err="1"/>
+                  <a:t>toimivat</a:t>
+                </a:r>
+                <a:r>
+                  <a:rPr lang="en-US" dirty="0"/>
+                  <a:t> </a:t>
+                </a:r>
+                <a:r>
+                  <a:rPr lang="en-US" dirty="0" err="1"/>
+                  <a:t>estimaattorin</a:t>
+                </a:r>
+                <a:r>
+                  <a:rPr lang="en-US" dirty="0"/>
+                  <a:t> </a:t>
+                </a:r>
+                <a:r>
+                  <a:rPr lang="en-US" dirty="0" err="1"/>
+                  <a:t>tilanyhtälöinä</a:t>
+                </a:r>
+                <a:r>
+                  <a:rPr lang="en-US" dirty="0"/>
+                  <a:t> ja </a:t>
+                </a:r>
+                <a:r>
+                  <a:rPr lang="en-US" dirty="0" err="1"/>
+                  <a:t>painehäviömalli</a:t>
+                </a:r>
+                <a:r>
+                  <a:rPr lang="en-US" dirty="0"/>
+                  <a:t> </a:t>
+                </a:r>
+                <a:r>
+                  <a:rPr lang="en-US" dirty="0" err="1"/>
+                  <a:t>mittausyhtälönä</a:t>
+                </a:r>
+                <a:r>
+                  <a:rPr lang="fi-FI" dirty="0"/>
+                  <a:t>.</a:t>
+                </a:r>
+                <a:endParaRPr lang="en-US" dirty="0"/>
+              </a:p>
+            </p:txBody>
+          </p:sp>
+        </mc:Choice>
+        <mc:Fallback>
+          <p:sp>
+            <p:nvSpPr>
+              <p:cNvPr id="5" name="Text Placeholder 4">
+                <a:extLst>
+                  <a:ext uri="{FF2B5EF4-FFF2-40B4-BE49-F238E27FC236}">
+                    <a16:creationId xmlns:a16="http://schemas.microsoft.com/office/drawing/2014/main" id="{249C1D04-69E9-2BF6-7273-0B17C640B07B}"/>
+                  </a:ext>
+                </a:extLst>
+              </p:cNvPr>
+              <p:cNvSpPr>
+                <a:spLocks noGrp="1" noRot="1" noChangeAspect="1" noMove="1" noResize="1" noEditPoints="1" noAdjustHandles="1" noChangeArrowheads="1" noChangeShapeType="1" noTextEdit="1"/>
+              </p:cNvSpPr>
+              <p:nvPr>
+                <p:ph type="body" sz="quarter" idx="10"/>
+              </p:nvPr>
+            </p:nvSpPr>
+            <p:spPr>
+              <a:xfrm>
+                <a:off x="513348" y="1582839"/>
+                <a:ext cx="11155678" cy="1093454"/>
+              </a:xfrm>
+              <a:blipFill>
+                <a:blip r:embed="rId2"/>
+                <a:stretch>
+                  <a:fillRect l="-796" t="-4598" b="-214943"/>
+                </a:stretch>
+              </a:blipFill>
+            </p:spPr>
+            <p:txBody>
+              <a:bodyPr/>
+              <a:lstStyle/>
+              <a:p>
+                <a:r>
+                  <a:rPr lang="en-FI">
+                    <a:noFill/>
+                  </a:rPr>
+                  <a:t> </a:t>
+                </a:r>
+              </a:p>
+            </p:txBody>
+          </p:sp>
+        </mc:Fallback>
+      </mc:AlternateContent>
+      <mc:AlternateContent xmlns:mc="http://schemas.openxmlformats.org/markup-compatibility/2006">
+        <mc:Choice xmlns:a14="http://schemas.microsoft.com/office/drawing/2010/main" Requires="a14">
           <p:sp>
             <p:nvSpPr>
               <p:cNvPr id="11" name="TextBox 10">
@@ -12385,7 +12968,7 @@
             </p:nvSpPr>
             <p:spPr>
               <a:xfrm>
-                <a:off x="3048000" y="1754756"/>
+                <a:off x="3048000" y="1820528"/>
                 <a:ext cx="6096000" cy="398251"/>
               </a:xfrm>
               <a:prstGeom prst="rect">
@@ -12577,12 +13160,12 @@
                     </m:oMath>
                   </m:oMathPara>
                 </a14:m>
-                <a:endParaRPr lang="en-US"/>
+                <a:endParaRPr lang="en-US" dirty="0"/>
               </a:p>
             </p:txBody>
           </p:sp>
         </mc:Choice>
-        <mc:Fallback xmlns="">
+        <mc:Fallback>
           <p:sp>
             <p:nvSpPr>
               <p:cNvPr id="11" name="TextBox 10">
@@ -12599,16 +13182,16 @@
             </p:nvSpPr>
             <p:spPr>
               <a:xfrm>
-                <a:off x="3048000" y="1754756"/>
+                <a:off x="3048000" y="1820528"/>
                 <a:ext cx="6096000" cy="398251"/>
               </a:xfrm>
               <a:prstGeom prst="rect">
                 <a:avLst/>
               </a:prstGeom>
               <a:blipFill>
-                <a:blip r:embed="rId2"/>
+                <a:blip r:embed="rId3"/>
                 <a:stretch>
-                  <a:fillRect/>
+                  <a:fillRect t="-3125" b="-12500"/>
                 </a:stretch>
               </a:blipFill>
             </p:spPr>
@@ -12617,7 +13200,7 @@
               <a:lstStyle/>
               <a:p>
                 <a:r>
-                  <a:rPr lang="en-US">
+                  <a:rPr lang="en-FI">
                     <a:noFill/>
                   </a:rPr>
                   <a:t> </a:t>
@@ -12627,8 +13210,8 @@
           </p:sp>
         </mc:Fallback>
       </mc:AlternateContent>
-      <mc:AlternateContent xmlns:mc="http://schemas.openxmlformats.org/markup-compatibility/2006" xmlns:a14="http://schemas.microsoft.com/office/drawing/2010/main">
-        <mc:Choice Requires="a14">
+      <mc:AlternateContent xmlns:mc="http://schemas.openxmlformats.org/markup-compatibility/2006">
+        <mc:Choice xmlns:a14="http://schemas.microsoft.com/office/drawing/2010/main" Requires="a14">
           <p:sp>
             <p:nvSpPr>
               <p:cNvPr id="13" name="TextBox 12">
@@ -12643,7 +13226,7 @@
             </p:nvSpPr>
             <p:spPr>
               <a:xfrm>
-                <a:off x="3048000" y="2153007"/>
+                <a:off x="3048000" y="2218779"/>
                 <a:ext cx="6096000" cy="658770"/>
               </a:xfrm>
               <a:prstGeom prst="rect">
@@ -12855,7 +13438,7 @@
             </p:txBody>
           </p:sp>
         </mc:Choice>
-        <mc:Fallback xmlns="">
+        <mc:Fallback>
           <p:sp>
             <p:nvSpPr>
               <p:cNvPr id="13" name="TextBox 12">
@@ -12872,16 +13455,16 @@
             </p:nvSpPr>
             <p:spPr>
               <a:xfrm>
-                <a:off x="3048000" y="2153007"/>
+                <a:off x="3048000" y="2218779"/>
                 <a:ext cx="6096000" cy="658770"/>
               </a:xfrm>
               <a:prstGeom prst="rect">
                 <a:avLst/>
               </a:prstGeom>
               <a:blipFill>
-                <a:blip r:embed="rId3"/>
+                <a:blip r:embed="rId4"/>
                 <a:stretch>
-                  <a:fillRect/>
+                  <a:fillRect t="-169811" b="-247170"/>
                 </a:stretch>
               </a:blipFill>
             </p:spPr>
@@ -12890,7 +13473,7 @@
               <a:lstStyle/>
               <a:p>
                 <a:r>
-                  <a:rPr lang="en-US">
+                  <a:rPr lang="en-FI">
                     <a:noFill/>
                   </a:rPr>
                   <a:t> </a:t>
@@ -12916,7 +13499,7 @@
             </p:nvSpPr>
             <p:spPr>
               <a:xfrm>
-                <a:off x="3049438" y="3653552"/>
+                <a:off x="3049438" y="4046224"/>
                 <a:ext cx="6094562" cy="392672"/>
               </a:xfrm>
               <a:prstGeom prst="rect">
@@ -12940,7 +13523,7 @@
                   <a:buNone/>
                 </a:pPr>
                 <a:r>
-                  <a:rPr lang="en-US" sz="1800" kern="100">
+                  <a:rPr lang="en-US" sz="1800" kern="100" dirty="0">
                     <a:effectLst/>
                     <a:latin typeface="Aptos" panose="020B0004020202020204" pitchFamily="34" charset="0"/>
                     <a:ea typeface="Times New Roman" panose="02020603050405020304" pitchFamily="18" charset="0"/>
@@ -12949,7 +13532,7 @@
                   <a:t> </a:t>
                 </a:r>
                 <a:r>
-                  <a:rPr lang="en-US" sz="1800" i="1" kern="100">
+                  <a:rPr lang="en-US" sz="1800" i="1" kern="100" dirty="0">
                     <a:effectLst/>
                     <a:latin typeface="Cambria Math" panose="02040503050406030204" pitchFamily="18" charset="0"/>
                     <a:ea typeface="Times New Roman" panose="02020603050405020304" pitchFamily="18" charset="0"/>
@@ -13282,7 +13865,7 @@
                     </m:sSub>
                   </m:oMath>
                 </a14:m>
-                <a:endParaRPr lang="en-US" sz="1800" kern="100">
+                <a:endParaRPr lang="en-US" sz="1800" kern="100" dirty="0">
                   <a:effectLst/>
                   <a:latin typeface="Aptos" panose="020B0004020202020204" pitchFamily="34" charset="0"/>
                   <a:ea typeface="Aptos" panose="020B0004020202020204" pitchFamily="34" charset="0"/>
@@ -13309,16 +13892,16 @@
             </p:nvSpPr>
             <p:spPr>
               <a:xfrm>
-                <a:off x="3049438" y="3653552"/>
+                <a:off x="3049438" y="4046224"/>
                 <a:ext cx="6094562" cy="392672"/>
               </a:xfrm>
               <a:prstGeom prst="rect">
                 <a:avLst/>
               </a:prstGeom>
               <a:blipFill>
-                <a:blip r:embed="rId4"/>
+                <a:blip r:embed="rId5"/>
                 <a:stretch>
-                  <a:fillRect/>
+                  <a:fillRect b="-15625"/>
                 </a:stretch>
               </a:blipFill>
             </p:spPr>
@@ -13327,7 +13910,7 @@
               <a:lstStyle/>
               <a:p>
                 <a:r>
-                  <a:rPr lang="en-US">
+                  <a:rPr lang="en-FI">
                     <a:noFill/>
                   </a:rPr>
                   <a:t> </a:t>
@@ -13486,74 +14069,103 @@
           <a:lstStyle/>
           <a:p>
             <a:pPr marL="285750" indent="-285750">
+              <a:lnSpc>
+                <a:spcPct val="100000"/>
+              </a:lnSpc>
               <a:buFont typeface="Arial" panose="020B0604020202020204" pitchFamily="34" charset="0"/>
               <a:buChar char="•"/>
             </a:pPr>
             <a:r>
-              <a:rPr lang="fi-FI"/>
+              <a:rPr lang="fi-FI" dirty="0"/>
               <a:t>Mikä on suunnitellun estimointimenetelmän noki- ja tuhkaestimaatin tarkkuus?</a:t>
             </a:r>
           </a:p>
           <a:p>
             <a:pPr marL="742950" lvl="1" indent="-285750">
+              <a:lnSpc>
+                <a:spcPct val="100000"/>
+              </a:lnSpc>
               <a:buFont typeface="Arial" panose="020B0604020202020204" pitchFamily="34" charset="0"/>
               <a:buChar char="•"/>
             </a:pPr>
             <a:r>
-              <a:rPr lang="fi-FI" sz="1400"/>
+              <a:rPr lang="fi-FI" sz="1400" dirty="0"/>
               <a:t>Estimaattia verrataan punnitustuloksiin.</a:t>
             </a:r>
           </a:p>
           <a:p>
             <a:pPr marL="285750" indent="-285750">
+              <a:lnSpc>
+                <a:spcPct val="100000"/>
+              </a:lnSpc>
               <a:buFont typeface="Arial" panose="020B0604020202020204" pitchFamily="34" charset="0"/>
               <a:buChar char="•"/>
             </a:pPr>
             <a:r>
-              <a:rPr lang="fi-FI"/>
-              <a:t>Kuinka paljon epävarmuus suodattimen sisäänmenevissä noki-, tuhka- ja NO2-pitoisuuksien estimaateissa vaikuttaa noki- ja tuhkalatausestimaattien variansseihin? Kuinka paljon systemaattinen tai satunnaisjakautunut epävarmuus vaikuttaa?</a:t>
+              <a:rPr lang="fi-FI" dirty="0"/>
+              <a:t>Kuinka paljon epävarmuus suodattimen </a:t>
+            </a:r>
+            <a:r>
+              <a:rPr lang="fi-FI" dirty="0" err="1"/>
+              <a:t>sisäänmenevissä</a:t>
+            </a:r>
+            <a:r>
+              <a:rPr lang="fi-FI" dirty="0"/>
+              <a:t> noki-, tuhka- ja NO2-pitoisuuksien estimaateissa vaikuttaa noki- ja tuhkalatausestimaattien variansseihin? Kuinka paljon systemaattinen tai satunnaisjakautunut epävarmuus vaikuttaa?</a:t>
             </a:r>
           </a:p>
           <a:p>
             <a:pPr marL="742950" lvl="1" indent="-285750">
+              <a:lnSpc>
+                <a:spcPct val="100000"/>
+              </a:lnSpc>
               <a:buFont typeface="Arial" panose="020B0604020202020204" pitchFamily="34" charset="0"/>
               <a:buChar char="•"/>
             </a:pPr>
             <a:r>
-              <a:rPr lang="fi-FI" sz="1400"/>
+              <a:rPr lang="fi-FI" sz="1400" dirty="0"/>
               <a:t>Epävarmuutta on suodattimeen menevät nokipitoisuus, NO2-pitoisuus, pakokaasun lämpötila ja massavirta. Arvioidaan käyttämällä oletuksia epävarmuuksien suuruuksista (estimaattorin häiriömallissa)</a:t>
             </a:r>
           </a:p>
           <a:p>
             <a:pPr marL="742950" lvl="1" indent="-285750">
+              <a:lnSpc>
+                <a:spcPct val="100000"/>
+              </a:lnSpc>
               <a:buFont typeface="Arial" panose="020B0604020202020204" pitchFamily="34" charset="0"/>
               <a:buChar char="•"/>
             </a:pPr>
             <a:r>
-              <a:rPr lang="fi-FI" sz="1400"/>
+              <a:rPr lang="fi-FI" sz="1400" dirty="0"/>
               <a:t>Tuhkalatauksen epävarmuus on systemaattista ja integroivaa.</a:t>
             </a:r>
           </a:p>
           <a:p>
             <a:pPr marL="285750" indent="-285750">
+              <a:lnSpc>
+                <a:spcPct val="100000"/>
+              </a:lnSpc>
               <a:buFont typeface="Arial" panose="020B0604020202020204" pitchFamily="34" charset="0"/>
               <a:buChar char="•"/>
             </a:pPr>
             <a:r>
-              <a:rPr lang="fi-FI"/>
+              <a:rPr lang="fi-FI" dirty="0"/>
               <a:t>Millaisia menetelmiä noki- ja tuhkalatauksen estimointiin on käytetty kirjallisuudessa? </a:t>
             </a:r>
           </a:p>
           <a:p>
             <a:pPr marL="742950" lvl="1" indent="-285750">
+              <a:lnSpc>
+                <a:spcPct val="100000"/>
+              </a:lnSpc>
               <a:buFont typeface="Arial" panose="020B0604020202020204" pitchFamily="34" charset="0"/>
               <a:buChar char="•"/>
             </a:pPr>
             <a:r>
-              <a:rPr lang="fi-FI" sz="1400"/>
+              <a:rPr lang="fi-FI" sz="1400" u="sng" dirty="0"/>
               <a:t>Ei lopullinen kysymys</a:t>
             </a:r>
-            <a:endParaRPr lang="en-US" sz="1400"/>
+            <a:endParaRPr lang="en-US" sz="1400" u="sng" dirty="0"/>
           </a:p>
         </p:txBody>
       </p:sp>
@@ -14328,6 +14940,12 @@
 </file>
 
 <file path=customXml/item1.xml><?xml version="1.0" encoding="utf-8"?>
+<p:properties xmlns:p="http://schemas.microsoft.com/office/2006/metadata/properties" xmlns:xsi="http://www.w3.org/2001/XMLSchema-instance" xmlns:pc="http://schemas.microsoft.com/office/infopath/2007/PartnerControls">
+  <documentManagement/>
+</p:properties>
+</file>
+
+<file path=customXml/item2.xml><?xml version="1.0" encoding="utf-8"?>
 <ct:contentTypeSchema xmlns:ct="http://schemas.microsoft.com/office/2006/metadata/contentType" xmlns:ma="http://schemas.microsoft.com/office/2006/metadata/properties/metaAttributes" ct:_="" ma:_="" ma:contentTypeName="Document" ma:contentTypeID="0x010100208D4596AC30164BAFA497A5A4095D73" ma:contentTypeVersion="4" ma:contentTypeDescription="Create a new document." ma:contentTypeScope="" ma:versionID="ef2e2dc54a61ba576d96e75a97791a46">
   <xsd:schema xmlns:xsd="http://www.w3.org/2001/XMLSchema" xmlns:xs="http://www.w3.org/2001/XMLSchema" xmlns:p="http://schemas.microsoft.com/office/2006/metadata/properties" xmlns:ns2="8d823064-d652-4b4c-a270-db9d06cc321e" targetNamespace="http://schemas.microsoft.com/office/2006/metadata/properties" ma:root="true" ma:fieldsID="1288cfc4f723bed348a111d901062026" ns2:_="">
     <xsd:import namespace="8d823064-d652-4b4c-a270-db9d06cc321e"/>
@@ -14471,12 +15089,6 @@
 </ct:contentTypeSchema>
 </file>
 
-<file path=customXml/item2.xml><?xml version="1.0" encoding="utf-8"?>
-<p:properties xmlns:p="http://schemas.microsoft.com/office/2006/metadata/properties" xmlns:xsi="http://www.w3.org/2001/XMLSchema-instance" xmlns:pc="http://schemas.microsoft.com/office/infopath/2007/PartnerControls">
-  <documentManagement/>
-</p:properties>
-</file>
-
 <file path=customXml/item3.xml><?xml version="1.0" encoding="utf-8"?>
 <?mso-contentType ?>
 <FormTemplates xmlns="http://schemas.microsoft.com/sharepoint/v3/contenttype/forms">
@@ -14487,6 +15099,17 @@
 </file>
 
 <file path=customXml/itemProps1.xml><?xml version="1.0" encoding="utf-8"?>
+<ds:datastoreItem xmlns:ds="http://schemas.openxmlformats.org/officeDocument/2006/customXml" ds:itemID="{21EA1155-8B32-428F-99F0-015FCBDF9232}">
+  <ds:schemaRefs>
+    <ds:schemaRef ds:uri="http://schemas.microsoft.com/office/2006/metadata/properties"/>
+    <ds:schemaRef ds:uri="http://schemas.microsoft.com/office/infopath/2007/PartnerControls"/>
+    <ds:schemaRef ds:uri="41060de2-35f1-4fac-baa6-6544d941150a"/>
+    <ds:schemaRef ds:uri="b96a7a3e-7277-458a-b9ed-2db02f3895ed"/>
+  </ds:schemaRefs>
+</ds:datastoreItem>
+</file>
+
+<file path=customXml/itemProps2.xml><?xml version="1.0" encoding="utf-8"?>
 <ds:datastoreItem xmlns:ds="http://schemas.openxmlformats.org/officeDocument/2006/customXml" ds:itemID="{A85475AC-8F46-432E-A99E-E23EA6B5C44E}">
   <ds:schemaRefs>
     <ds:schemaRef ds:uri="http://schemas.microsoft.com/office/2006/metadata/contentType"/>
@@ -14504,17 +15127,6 @@
 </ds:datastoreItem>
 </file>
 
-<file path=customXml/itemProps2.xml><?xml version="1.0" encoding="utf-8"?>
-<ds:datastoreItem xmlns:ds="http://schemas.openxmlformats.org/officeDocument/2006/customXml" ds:itemID="{21EA1155-8B32-428F-99F0-015FCBDF9232}">
-  <ds:schemaRefs>
-    <ds:schemaRef ds:uri="http://schemas.microsoft.com/office/2006/metadata/properties"/>
-    <ds:schemaRef ds:uri="http://schemas.microsoft.com/office/infopath/2007/PartnerControls"/>
-    <ds:schemaRef ds:uri="41060de2-35f1-4fac-baa6-6544d941150a"/>
-    <ds:schemaRef ds:uri="b96a7a3e-7277-458a-b9ed-2db02f3895ed"/>
-  </ds:schemaRefs>
-</ds:datastoreItem>
-</file>
-
 <file path=customXml/itemProps3.xml><?xml version="1.0" encoding="utf-8"?>
 <ds:datastoreItem xmlns:ds="http://schemas.openxmlformats.org/officeDocument/2006/customXml" ds:itemID="{3FEC0498-E616-4398-8CDE-8BF28A293AEF}">
   <ds:schemaRefs>

--- a/Tutkimuskysymysesittely.pptx
+++ b/Tutkimuskysymysesittely.pptx
@@ -242,7 +242,7 @@
               <a:rPr lang="en-CA" smtClean="0">
                 <a:latin typeface="Tilda Sans Medium" panose="020B0502020204020303" pitchFamily="34" charset="0"/>
               </a:rPr>
-              <a:t>2025-06-02</a:t>
+              <a:t>2025-06-06</a:t>
             </a:fld>
             <a:endParaRPr lang="en-CA" dirty="0">
               <a:latin typeface="Tilda Sans Medium" panose="020B0502020204020303" pitchFamily="34" charset="0"/>
@@ -474,7 +474,7 @@
             <a:fld id="{22836CA5-C5A9-496A-AEEC-9D7F83E09475}" type="datetimeFigureOut">
               <a:rPr lang="en-US" smtClean="0"/>
               <a:pPr/>
-              <a:t>6/2/25</a:t>
+              <a:t>6/6/2025</a:t>
             </a:fld>
             <a:endParaRPr lang="en-US" dirty="0"/>
           </a:p>
@@ -12422,8 +12422,8 @@
           </a:p>
         </p:txBody>
       </p:sp>
-      <mc:AlternateContent xmlns:mc="http://schemas.openxmlformats.org/markup-compatibility/2006">
-        <mc:Choice xmlns:a14="http://schemas.microsoft.com/office/drawing/2010/main" Requires="a14">
+      <mc:AlternateContent xmlns:mc="http://schemas.openxmlformats.org/markup-compatibility/2006" xmlns:a14="http://schemas.microsoft.com/office/drawing/2010/main">
+        <mc:Choice Requires="a14">
           <p:sp>
             <p:nvSpPr>
               <p:cNvPr id="5" name="Text Placeholder 4">
@@ -12581,7 +12581,9 @@
                     <m:sSub>
                       <m:sSubPr>
                         <m:ctrlPr>
-                          <a:rPr lang="en-FI" i="1"/>
+                          <a:rPr lang="en-FI" i="1">
+                            <a:latin typeface="Cambria Math" panose="02040503050406030204" pitchFamily="18" charset="0"/>
+                          </a:rPr>
                         </m:ctrlPr>
                       </m:sSubPr>
                       <m:e>
@@ -12589,13 +12591,17 @@
                           <m:rPr>
                             <m:sty m:val="p"/>
                           </m:rPr>
-                          <a:rPr lang="en-FI"/>
+                          <a:rPr lang="en-FI">
+                            <a:latin typeface="Cambria Math" panose="02040503050406030204" pitchFamily="18" charset="0"/>
+                          </a:rPr>
                           <m:t>ω</m:t>
                         </m:r>
                       </m:e>
                       <m:sub>
                         <m:r>
-                          <a:rPr lang="en-FI" i="1"/>
+                          <a:rPr lang="en-FI" i="1">
+                            <a:latin typeface="Cambria Math" panose="02040503050406030204" pitchFamily="18" charset="0"/>
+                          </a:rPr>
                           <m:t>𝑠𝑜𝑜𝑡</m:t>
                         </m:r>
                       </m:sub>
@@ -12647,7 +12653,9 @@
                     <m:sSub>
                       <m:sSubPr>
                         <m:ctrlPr>
-                          <a:rPr lang="en-FI" i="1"/>
+                          <a:rPr lang="en-FI" i="1">
+                            <a:latin typeface="Cambria Math" panose="02040503050406030204" pitchFamily="18" charset="0"/>
+                          </a:rPr>
                         </m:ctrlPr>
                       </m:sSubPr>
                       <m:e>
@@ -12655,13 +12663,17 @@
                           <m:rPr>
                             <m:sty m:val="p"/>
                           </m:rPr>
-                          <a:rPr lang="en-FI"/>
+                          <a:rPr lang="en-FI">
+                            <a:latin typeface="Cambria Math" panose="02040503050406030204" pitchFamily="18" charset="0"/>
+                          </a:rPr>
                           <m:t>ω</m:t>
                         </m:r>
                       </m:e>
                       <m:sub>
                         <m:r>
-                          <a:rPr lang="en-FI" i="1"/>
+                          <a:rPr lang="en-FI" i="1">
+                            <a:latin typeface="Cambria Math" panose="02040503050406030204" pitchFamily="18" charset="0"/>
+                          </a:rPr>
                           <m:t>𝑎𝑠h</m:t>
                         </m:r>
                       </m:sub>
@@ -12908,7 +12920,7 @@
             </p:txBody>
           </p:sp>
         </mc:Choice>
-        <mc:Fallback>
+        <mc:Fallback xmlns="">
           <p:sp>
             <p:nvSpPr>
               <p:cNvPr id="5" name="Text Placeholder 4">
@@ -12952,8 +12964,8 @@
           </p:sp>
         </mc:Fallback>
       </mc:AlternateContent>
-      <mc:AlternateContent xmlns:mc="http://schemas.openxmlformats.org/markup-compatibility/2006">
-        <mc:Choice xmlns:a14="http://schemas.microsoft.com/office/drawing/2010/main" Requires="a14">
+      <mc:AlternateContent xmlns:mc="http://schemas.openxmlformats.org/markup-compatibility/2006" xmlns:a14="http://schemas.microsoft.com/office/drawing/2010/main">
+        <mc:Choice Requires="a14">
           <p:sp>
             <p:nvSpPr>
               <p:cNvPr id="11" name="TextBox 10">
@@ -13165,7 +13177,7 @@
             </p:txBody>
           </p:sp>
         </mc:Choice>
-        <mc:Fallback>
+        <mc:Fallback xmlns="">
           <p:sp>
             <p:nvSpPr>
               <p:cNvPr id="11" name="TextBox 10">
@@ -13210,8 +13222,8 @@
           </p:sp>
         </mc:Fallback>
       </mc:AlternateContent>
-      <mc:AlternateContent xmlns:mc="http://schemas.openxmlformats.org/markup-compatibility/2006">
-        <mc:Choice xmlns:a14="http://schemas.microsoft.com/office/drawing/2010/main" Requires="a14">
+      <mc:AlternateContent xmlns:mc="http://schemas.openxmlformats.org/markup-compatibility/2006" xmlns:a14="http://schemas.microsoft.com/office/drawing/2010/main">
+        <mc:Choice Requires="a14">
           <p:sp>
             <p:nvSpPr>
               <p:cNvPr id="13" name="TextBox 12">
@@ -13438,7 +13450,7 @@
             </p:txBody>
           </p:sp>
         </mc:Choice>
-        <mc:Fallback>
+        <mc:Fallback xmlns="">
           <p:sp>
             <p:nvSpPr>
               <p:cNvPr id="13" name="TextBox 12">
@@ -13483,8 +13495,8 @@
           </p:sp>
         </mc:Fallback>
       </mc:AlternateContent>
-      <mc:AlternateContent xmlns:mc="http://schemas.openxmlformats.org/markup-compatibility/2006">
-        <mc:Choice xmlns:a14="http://schemas.microsoft.com/office/drawing/2010/main" Requires="a14">
+      <mc:AlternateContent xmlns:mc="http://schemas.openxmlformats.org/markup-compatibility/2006" xmlns:a14="http://schemas.microsoft.com/office/drawing/2010/main">
+        <mc:Choice Requires="a14">
           <p:sp>
             <p:nvSpPr>
               <p:cNvPr id="15" name="TextBox 14">
@@ -13875,7 +13887,7 @@
             </p:txBody>
           </p:sp>
         </mc:Choice>
-        <mc:Fallback>
+        <mc:Fallback xmlns="">
           <p:sp>
             <p:nvSpPr>
               <p:cNvPr id="15" name="TextBox 14">
@@ -14940,12 +14952,6 @@
 </file>
 
 <file path=customXml/item1.xml><?xml version="1.0" encoding="utf-8"?>
-<p:properties xmlns:p="http://schemas.microsoft.com/office/2006/metadata/properties" xmlns:xsi="http://www.w3.org/2001/XMLSchema-instance" xmlns:pc="http://schemas.microsoft.com/office/infopath/2007/PartnerControls">
-  <documentManagement/>
-</p:properties>
-</file>
-
-<file path=customXml/item2.xml><?xml version="1.0" encoding="utf-8"?>
 <ct:contentTypeSchema xmlns:ct="http://schemas.microsoft.com/office/2006/metadata/contentType" xmlns:ma="http://schemas.microsoft.com/office/2006/metadata/properties/metaAttributes" ct:_="" ma:_="" ma:contentTypeName="Document" ma:contentTypeID="0x010100208D4596AC30164BAFA497A5A4095D73" ma:contentTypeVersion="4" ma:contentTypeDescription="Create a new document." ma:contentTypeScope="" ma:versionID="ef2e2dc54a61ba576d96e75a97791a46">
   <xsd:schema xmlns:xsd="http://www.w3.org/2001/XMLSchema" xmlns:xs="http://www.w3.org/2001/XMLSchema" xmlns:p="http://schemas.microsoft.com/office/2006/metadata/properties" xmlns:ns2="8d823064-d652-4b4c-a270-db9d06cc321e" targetNamespace="http://schemas.microsoft.com/office/2006/metadata/properties" ma:root="true" ma:fieldsID="1288cfc4f723bed348a111d901062026" ns2:_="">
     <xsd:import namespace="8d823064-d652-4b4c-a270-db9d06cc321e"/>
@@ -15089,6 +15095,12 @@
 </ct:contentTypeSchema>
 </file>
 
+<file path=customXml/item2.xml><?xml version="1.0" encoding="utf-8"?>
+<p:properties xmlns:p="http://schemas.microsoft.com/office/2006/metadata/properties" xmlns:xsi="http://www.w3.org/2001/XMLSchema-instance" xmlns:pc="http://schemas.microsoft.com/office/infopath/2007/PartnerControls">
+  <documentManagement/>
+</p:properties>
+</file>
+
 <file path=customXml/item3.xml><?xml version="1.0" encoding="utf-8"?>
 <?mso-contentType ?>
 <FormTemplates xmlns="http://schemas.microsoft.com/sharepoint/v3/contenttype/forms">
@@ -15099,17 +15111,6 @@
 </file>
 
 <file path=customXml/itemProps1.xml><?xml version="1.0" encoding="utf-8"?>
-<ds:datastoreItem xmlns:ds="http://schemas.openxmlformats.org/officeDocument/2006/customXml" ds:itemID="{21EA1155-8B32-428F-99F0-015FCBDF9232}">
-  <ds:schemaRefs>
-    <ds:schemaRef ds:uri="http://schemas.microsoft.com/office/2006/metadata/properties"/>
-    <ds:schemaRef ds:uri="http://schemas.microsoft.com/office/infopath/2007/PartnerControls"/>
-    <ds:schemaRef ds:uri="41060de2-35f1-4fac-baa6-6544d941150a"/>
-    <ds:schemaRef ds:uri="b96a7a3e-7277-458a-b9ed-2db02f3895ed"/>
-  </ds:schemaRefs>
-</ds:datastoreItem>
-</file>
-
-<file path=customXml/itemProps2.xml><?xml version="1.0" encoding="utf-8"?>
 <ds:datastoreItem xmlns:ds="http://schemas.openxmlformats.org/officeDocument/2006/customXml" ds:itemID="{A85475AC-8F46-432E-A99E-E23EA6B5C44E}">
   <ds:schemaRefs>
     <ds:schemaRef ds:uri="http://schemas.microsoft.com/office/2006/metadata/contentType"/>
@@ -15127,6 +15128,17 @@
 </ds:datastoreItem>
 </file>
 
+<file path=customXml/itemProps2.xml><?xml version="1.0" encoding="utf-8"?>
+<ds:datastoreItem xmlns:ds="http://schemas.openxmlformats.org/officeDocument/2006/customXml" ds:itemID="{21EA1155-8B32-428F-99F0-015FCBDF9232}">
+  <ds:schemaRefs>
+    <ds:schemaRef ds:uri="http://schemas.microsoft.com/office/2006/metadata/properties"/>
+    <ds:schemaRef ds:uri="http://schemas.microsoft.com/office/infopath/2007/PartnerControls"/>
+    <ds:schemaRef ds:uri="41060de2-35f1-4fac-baa6-6544d941150a"/>
+    <ds:schemaRef ds:uri="b96a7a3e-7277-458a-b9ed-2db02f3895ed"/>
+  </ds:schemaRefs>
+</ds:datastoreItem>
+</file>
+
 <file path=customXml/itemProps3.xml><?xml version="1.0" encoding="utf-8"?>
 <ds:datastoreItem xmlns:ds="http://schemas.openxmlformats.org/officeDocument/2006/customXml" ds:itemID="{3FEC0498-E616-4398-8CDE-8BF28A293AEF}">
   <ds:schemaRefs>
